--- a/fish课件/每日课外作业(一年级）.pptx
+++ b/fish课件/每日课外作业(一年级）.pptx
@@ -5,10 +5,10 @@
     <p:sldMasterId id="2147483648" r:id="rId4"/>
   </p:sldMasterIdLst>
   <p:notesMasterIdLst>
-    <p:notesMasterId r:id="rId16"/>
+    <p:notesMasterId r:id="rId19"/>
   </p:notesMasterIdLst>
   <p:handoutMasterIdLst>
-    <p:handoutMasterId r:id="rId17"/>
+    <p:handoutMasterId r:id="rId20"/>
   </p:handoutMasterIdLst>
   <p:sldIdLst>
     <p:sldId id="257" r:id="rId5"/>
@@ -22,6 +22,9 @@
     <p:sldId id="280" r:id="rId13"/>
     <p:sldId id="283" r:id="rId14"/>
     <p:sldId id="281" r:id="rId15"/>
+    <p:sldId id="286" r:id="rId16"/>
+    <p:sldId id="284" r:id="rId17"/>
+    <p:sldId id="285" r:id="rId18"/>
   </p:sldIdLst>
   <p:sldSz cx="12192000" cy="6858000"/>
   <p:notesSz cx="6858000" cy="9144000"/>
@@ -221,7 +224,7 @@
                 <a:latin typeface="微软雅黑" panose="020B0503020204020204" pitchFamily="34" charset="-122"/>
                 <a:ea typeface="微软雅黑" panose="020B0503020204020204" pitchFamily="34" charset="-122"/>
               </a:rPr>
-              <a:t>2018-11-27</a:t>
+              <a:t>2018-11-29</a:t>
             </a:fld>
             <a:endParaRPr lang="en-US" dirty="0">
               <a:latin typeface="微软雅黑" panose="020B0503020204020204" pitchFamily="34" charset="-122"/>
@@ -407,7 +410,7 @@
             <a:fld id="{E3823E9E-F202-4B1F-B3BB-9AA2A7AE0891}" type="datetime2">
               <a:rPr lang="zh-CN" altLang="en-US" smtClean="0"/>
               <a:pPr/>
-              <a:t>2018-11-27</a:t>
+              <a:t>2018-11-29</a:t>
             </a:fld>
             <a:endParaRPr lang="en-US" dirty="0"/>
           </a:p>
@@ -4361,7 +4364,7 @@
           <a:p>
             <a:fld id="{0A4A421A-F8EF-4D5D-81DC-E1861D7B20A8}" type="datetime2">
               <a:rPr lang="zh-CN" altLang="en-US" smtClean="0"/>
-              <a:t>2018-11-27</a:t>
+              <a:t>2018-11-29</a:t>
             </a:fld>
             <a:endParaRPr lang="zh-CN" altLang="en-US" dirty="0"/>
           </a:p>
@@ -4563,7 +4566,7 @@
           <a:p>
             <a:fld id="{577BB6D5-4905-4EB1-BC83-F14774C447FE}" type="datetime2">
               <a:rPr lang="zh-CN" altLang="en-US" smtClean="0"/>
-              <a:t>2018-11-27</a:t>
+              <a:t>2018-11-29</a:t>
             </a:fld>
             <a:endParaRPr lang="zh-CN" altLang="en-US" dirty="0"/>
           </a:p>
@@ -4755,7 +4758,7 @@
           <a:p>
             <a:fld id="{19DD74DB-1E3F-4E68-B50E-4F37D03162F1}" type="datetime2">
               <a:rPr lang="zh-CN" altLang="en-US" smtClean="0"/>
-              <a:t>2018-11-27</a:t>
+              <a:t>2018-11-29</a:t>
             </a:fld>
             <a:endParaRPr lang="zh-CN" altLang="en-US" dirty="0"/>
           </a:p>
@@ -5239,7 +5242,7 @@
           <a:p>
             <a:fld id="{EACA39BD-2942-4D93-AF06-C1A91B4DD867}" type="datetime2">
               <a:rPr lang="zh-CN" altLang="en-US" smtClean="0"/>
-              <a:t>2018-11-27</a:t>
+              <a:t>2018-11-29</a:t>
             </a:fld>
             <a:endParaRPr lang="zh-CN" altLang="en-US" dirty="0"/>
           </a:p>
@@ -5649,7 +5652,7 @@
           <a:p>
             <a:fld id="{8747F6FF-7794-4B7F-AF83-D9524F74E8B3}" type="datetime2">
               <a:rPr lang="zh-CN" altLang="en-US" smtClean="0"/>
-              <a:t>2018-11-27</a:t>
+              <a:t>2018-11-29</a:t>
             </a:fld>
             <a:endParaRPr lang="zh-CN" altLang="en-US" dirty="0"/>
           </a:p>
@@ -5789,7 +5792,7 @@
           <a:p>
             <a:fld id="{51993A85-E824-4BF4-BEC0-9AD8160FEE39}" type="datetime2">
               <a:rPr lang="zh-CN" altLang="en-US" smtClean="0"/>
-              <a:t>2018-11-27</a:t>
+              <a:t>2018-11-29</a:t>
             </a:fld>
             <a:endParaRPr lang="zh-CN" altLang="en-US" dirty="0"/>
           </a:p>
@@ -5905,7 +5908,7 @@
           <a:p>
             <a:fld id="{DEB3053C-8E08-484C-B45B-9A2F34FE871E}" type="datetime2">
               <a:rPr lang="zh-CN" altLang="en-US" smtClean="0"/>
-              <a:t>2018-11-27</a:t>
+              <a:t>2018-11-29</a:t>
             </a:fld>
             <a:endParaRPr lang="zh-CN" altLang="en-US" dirty="0"/>
           </a:p>
@@ -6206,7 +6209,7 @@
           <a:p>
             <a:fld id="{C75E2762-9427-4DDA-B894-779623DDB256}" type="datetime2">
               <a:rPr lang="zh-CN" altLang="en-US" smtClean="0"/>
-              <a:t>2018-11-27</a:t>
+              <a:t>2018-11-29</a:t>
             </a:fld>
             <a:endParaRPr lang="zh-CN" altLang="en-US" dirty="0"/>
           </a:p>
@@ -6692,7 +6695,7 @@
             <a:fld id="{CB2916B4-A4FC-4EF8-B43F-F6171F8EC9A3}" type="datetime2">
               <a:rPr lang="zh-CN" altLang="en-US" smtClean="0"/>
               <a:pPr/>
-              <a:t>2018-11-27</a:t>
+              <a:t>2018-11-29</a:t>
             </a:fld>
             <a:endParaRPr lang="zh-CN" altLang="en-US" dirty="0"/>
           </a:p>
@@ -6976,7 +6979,7 @@
             <a:fld id="{9AD195D6-80D6-476A-A29D-B0234F685364}" type="datetime2">
               <a:rPr lang="zh-CN" altLang="en-US" smtClean="0"/>
               <a:pPr/>
-              <a:t>2018-11-27</a:t>
+              <a:t>2018-11-29</a:t>
             </a:fld>
             <a:endParaRPr lang="zh-CN" altLang="en-US" dirty="0"/>
           </a:p>
@@ -9818,6 +9821,4806 @@
         </p:cTn>
       </p:par>
     </p:tnLst>
+  </p:timing>
+</p:sld>
+</file>
+
+<file path=ppt/slides/slide12.xml><?xml version="1.0" encoding="utf-8"?>
+<p:sld xmlns:a="http://schemas.openxmlformats.org/drawingml/2006/main" xmlns:r="http://schemas.openxmlformats.org/officeDocument/2006/relationships" xmlns:p="http://schemas.openxmlformats.org/presentationml/2006/main">
+  <p:cSld>
+    <p:spTree>
+      <p:nvGrpSpPr>
+        <p:cNvPr id="1" name=""/>
+        <p:cNvGrpSpPr/>
+        <p:nvPr/>
+      </p:nvGrpSpPr>
+      <p:grpSpPr>
+        <a:xfrm>
+          <a:off x="0" y="0"/>
+          <a:ext cx="0" cy="0"/>
+          <a:chOff x="0" y="0"/>
+          <a:chExt cx="0" cy="0"/>
+        </a:xfrm>
+      </p:grpSpPr>
+      <p:sp>
+        <p:nvSpPr>
+          <p:cNvPr id="2" name="标题 1">
+            <a:extLst>
+              <a:ext uri="{FF2B5EF4-FFF2-40B4-BE49-F238E27FC236}">
+                <a16:creationId xmlns:a16="http://schemas.microsoft.com/office/drawing/2014/main" id="{DCE77998-6E5A-49CA-8F40-D644C40482C2}"/>
+              </a:ext>
+            </a:extLst>
+          </p:cNvPr>
+          <p:cNvSpPr txBox="1">
+            <a:spLocks/>
+          </p:cNvSpPr>
+          <p:nvPr/>
+        </p:nvSpPr>
+        <p:spPr>
+          <a:xfrm>
+            <a:off x="17065" y="114474"/>
+            <a:ext cx="1559496" cy="332656"/>
+          </a:xfrm>
+          <a:prstGeom prst="rect">
+            <a:avLst/>
+          </a:prstGeom>
+        </p:spPr>
+        <p:txBody>
+          <a:bodyPr vert="horz" lIns="91440" tIns="45720" rIns="91440" bIns="45720" rtlCol="0" anchor="b">
+            <a:noAutofit/>
+          </a:bodyPr>
+          <a:lstStyle>
+            <a:lvl1pPr algn="l" defTabSz="914400" rtl="0" eaLnBrk="1" latinLnBrk="0" hangingPunct="1">
+              <a:lnSpc>
+                <a:spcPct val="90000"/>
+              </a:lnSpc>
+              <a:spcBef>
+                <a:spcPct val="0"/>
+              </a:spcBef>
+              <a:buNone/>
+              <a:defRPr sz="3200" kern="1200">
+                <a:solidFill>
+                  <a:schemeClr val="tx1"/>
+                </a:solidFill>
+                <a:latin typeface="微软雅黑" panose="020B0503020204020204" pitchFamily="34" charset="-122"/>
+                <a:ea typeface="微软雅黑" panose="020B0503020204020204" pitchFamily="34" charset="-122"/>
+                <a:cs typeface="+mj-cs"/>
+              </a:defRPr>
+            </a:lvl1pPr>
+          </a:lstStyle>
+          <a:p>
+            <a:r>
+              <a:rPr lang="zh-CN" altLang="en-US" sz="2400" b="1" dirty="0">
+                <a:solidFill>
+                  <a:srgbClr val="553323"/>
+                </a:solidFill>
+              </a:rPr>
+              <a:t>平行线</a:t>
+            </a:r>
+            <a:endParaRPr lang="zh-cn" sz="2400" b="1" dirty="0">
+              <a:solidFill>
+                <a:srgbClr val="553323"/>
+              </a:solidFill>
+            </a:endParaRPr>
+          </a:p>
+        </p:txBody>
+      </p:sp>
+      <p:sp>
+        <p:nvSpPr>
+          <p:cNvPr id="3" name="矩形 2">
+            <a:extLst>
+              <a:ext uri="{FF2B5EF4-FFF2-40B4-BE49-F238E27FC236}">
+                <a16:creationId xmlns:a16="http://schemas.microsoft.com/office/drawing/2014/main" id="{54745F5B-1F2E-4EAA-8AC8-A6C3784D6124}"/>
+              </a:ext>
+            </a:extLst>
+          </p:cNvPr>
+          <p:cNvSpPr/>
+          <p:nvPr/>
+        </p:nvSpPr>
+        <p:spPr>
+          <a:xfrm>
+            <a:off x="335360" y="548680"/>
+            <a:ext cx="2884123" cy="584775"/>
+          </a:xfrm>
+          <a:prstGeom prst="rect">
+            <a:avLst/>
+          </a:prstGeom>
+          <a:noFill/>
+        </p:spPr>
+        <p:txBody>
+          <a:bodyPr wrap="none" lIns="91440" tIns="45720" rIns="91440" bIns="45720">
+            <a:spAutoFit/>
+          </a:bodyPr>
+          <a:lstStyle/>
+          <a:p>
+            <a:pPr algn="ctr"/>
+            <a:r>
+              <a:rPr lang="zh-CN" altLang="en-US" sz="3200" b="1" dirty="0">
+                <a:ln w="9525">
+                  <a:solidFill>
+                    <a:schemeClr val="bg1"/>
+                  </a:solidFill>
+                  <a:prstDash val="solid"/>
+                </a:ln>
+                <a:solidFill>
+                  <a:schemeClr val="accent5"/>
+                </a:solidFill>
+                <a:effectLst>
+                  <a:outerShdw blurRad="12700" dist="38100" dir="2700000" algn="tl" rotWithShape="0">
+                    <a:schemeClr val="accent5">
+                      <a:lumMod val="60000"/>
+                      <a:lumOff val="40000"/>
+                    </a:schemeClr>
+                  </a:outerShdw>
+                </a:effectLst>
+              </a:rPr>
+              <a:t>请随意画</a:t>
+            </a:r>
+            <a:r>
+              <a:rPr lang="en-US" altLang="zh-CN" sz="3200" b="1" dirty="0">
+                <a:ln w="9525">
+                  <a:solidFill>
+                    <a:schemeClr val="bg1"/>
+                  </a:solidFill>
+                  <a:prstDash val="solid"/>
+                </a:ln>
+                <a:solidFill>
+                  <a:schemeClr val="accent5"/>
+                </a:solidFill>
+                <a:effectLst>
+                  <a:outerShdw blurRad="12700" dist="38100" dir="2700000" algn="tl" rotWithShape="0">
+                    <a:schemeClr val="accent5">
+                      <a:lumMod val="60000"/>
+                      <a:lumOff val="40000"/>
+                    </a:schemeClr>
+                  </a:outerShdw>
+                </a:effectLst>
+              </a:rPr>
+              <a:t>2</a:t>
+            </a:r>
+            <a:r>
+              <a:rPr lang="zh-CN" altLang="en-US" sz="3200" b="1" dirty="0">
+                <a:ln w="9525">
+                  <a:solidFill>
+                    <a:schemeClr val="bg1"/>
+                  </a:solidFill>
+                  <a:prstDash val="solid"/>
+                </a:ln>
+                <a:solidFill>
+                  <a:schemeClr val="accent5"/>
+                </a:solidFill>
+                <a:effectLst>
+                  <a:outerShdw blurRad="12700" dist="38100" dir="2700000" algn="tl" rotWithShape="0">
+                    <a:schemeClr val="accent5">
+                      <a:lumMod val="60000"/>
+                      <a:lumOff val="40000"/>
+                    </a:schemeClr>
+                  </a:outerShdw>
+                </a:effectLst>
+              </a:rPr>
+              <a:t>条线</a:t>
+            </a:r>
+          </a:p>
+        </p:txBody>
+      </p:sp>
+      <p:grpSp>
+        <p:nvGrpSpPr>
+          <p:cNvPr id="9" name="组合 8">
+            <a:extLst>
+              <a:ext uri="{FF2B5EF4-FFF2-40B4-BE49-F238E27FC236}">
+                <a16:creationId xmlns:a16="http://schemas.microsoft.com/office/drawing/2014/main" id="{4228376D-4F87-4D81-8851-7305E523612F}"/>
+              </a:ext>
+            </a:extLst>
+          </p:cNvPr>
+          <p:cNvGrpSpPr/>
+          <p:nvPr/>
+        </p:nvGrpSpPr>
+        <p:grpSpPr>
+          <a:xfrm>
+            <a:off x="551384" y="1772816"/>
+            <a:ext cx="1656184" cy="432048"/>
+            <a:chOff x="1127448" y="2204864"/>
+            <a:chExt cx="1656184" cy="432048"/>
+          </a:xfrm>
+        </p:grpSpPr>
+        <p:cxnSp>
+          <p:nvCxnSpPr>
+            <p:cNvPr id="6" name="直接连接符 5">
+              <a:extLst>
+                <a:ext uri="{FF2B5EF4-FFF2-40B4-BE49-F238E27FC236}">
+                  <a16:creationId xmlns:a16="http://schemas.microsoft.com/office/drawing/2014/main" id="{0B792AED-0E50-4FFD-BB76-610B5CE4C064}"/>
+                </a:ext>
+              </a:extLst>
+            </p:cNvPr>
+            <p:cNvCxnSpPr/>
+            <p:nvPr/>
+          </p:nvCxnSpPr>
+          <p:spPr>
+            <a:xfrm>
+              <a:off x="1127448" y="2204864"/>
+              <a:ext cx="1656184" cy="0"/>
+            </a:xfrm>
+            <a:prstGeom prst="line">
+              <a:avLst/>
+            </a:prstGeom>
+          </p:spPr>
+          <p:style>
+            <a:lnRef idx="3">
+              <a:schemeClr val="accent4"/>
+            </a:lnRef>
+            <a:fillRef idx="0">
+              <a:schemeClr val="accent4"/>
+            </a:fillRef>
+            <a:effectRef idx="2">
+              <a:schemeClr val="accent4"/>
+            </a:effectRef>
+            <a:fontRef idx="minor">
+              <a:schemeClr val="tx1"/>
+            </a:fontRef>
+          </p:style>
+        </p:cxnSp>
+        <p:cxnSp>
+          <p:nvCxnSpPr>
+            <p:cNvPr id="7" name="直接连接符 6">
+              <a:extLst>
+                <a:ext uri="{FF2B5EF4-FFF2-40B4-BE49-F238E27FC236}">
+                  <a16:creationId xmlns:a16="http://schemas.microsoft.com/office/drawing/2014/main" id="{BABEA074-0963-45A2-990E-ED31E3F5473C}"/>
+                </a:ext>
+              </a:extLst>
+            </p:cNvPr>
+            <p:cNvCxnSpPr/>
+            <p:nvPr/>
+          </p:nvCxnSpPr>
+          <p:spPr>
+            <a:xfrm>
+              <a:off x="1127448" y="2636912"/>
+              <a:ext cx="1656184" cy="0"/>
+            </a:xfrm>
+            <a:prstGeom prst="line">
+              <a:avLst/>
+            </a:prstGeom>
+          </p:spPr>
+          <p:style>
+            <a:lnRef idx="3">
+              <a:schemeClr val="accent4"/>
+            </a:lnRef>
+            <a:fillRef idx="0">
+              <a:schemeClr val="accent4"/>
+            </a:fillRef>
+            <a:effectRef idx="2">
+              <a:schemeClr val="accent4"/>
+            </a:effectRef>
+            <a:fontRef idx="minor">
+              <a:schemeClr val="tx1"/>
+            </a:fontRef>
+          </p:style>
+        </p:cxnSp>
+      </p:grpSp>
+      <p:grpSp>
+        <p:nvGrpSpPr>
+          <p:cNvPr id="21" name="组合 20">
+            <a:extLst>
+              <a:ext uri="{FF2B5EF4-FFF2-40B4-BE49-F238E27FC236}">
+                <a16:creationId xmlns:a16="http://schemas.microsoft.com/office/drawing/2014/main" id="{2A52A6A1-A788-4DE7-9CB9-13981E95BDEF}"/>
+              </a:ext>
+            </a:extLst>
+          </p:cNvPr>
+          <p:cNvGrpSpPr/>
+          <p:nvPr/>
+        </p:nvGrpSpPr>
+        <p:grpSpPr>
+          <a:xfrm>
+            <a:off x="3359696" y="1556792"/>
+            <a:ext cx="1728192" cy="1152128"/>
+            <a:chOff x="3359696" y="1556792"/>
+            <a:chExt cx="1728192" cy="1152128"/>
+          </a:xfrm>
+        </p:grpSpPr>
+        <p:cxnSp>
+          <p:nvCxnSpPr>
+            <p:cNvPr id="11" name="直接连接符 10">
+              <a:extLst>
+                <a:ext uri="{FF2B5EF4-FFF2-40B4-BE49-F238E27FC236}">
+                  <a16:creationId xmlns:a16="http://schemas.microsoft.com/office/drawing/2014/main" id="{4FECBA13-5C3A-403C-886C-869C407B88EE}"/>
+                </a:ext>
+              </a:extLst>
+            </p:cNvPr>
+            <p:cNvCxnSpPr/>
+            <p:nvPr/>
+          </p:nvCxnSpPr>
+          <p:spPr>
+            <a:xfrm>
+              <a:off x="3503712" y="1556792"/>
+              <a:ext cx="1440160" cy="1152128"/>
+            </a:xfrm>
+            <a:prstGeom prst="line">
+              <a:avLst/>
+            </a:prstGeom>
+          </p:spPr>
+          <p:style>
+            <a:lnRef idx="3">
+              <a:schemeClr val="accent1"/>
+            </a:lnRef>
+            <a:fillRef idx="0">
+              <a:schemeClr val="accent1"/>
+            </a:fillRef>
+            <a:effectRef idx="2">
+              <a:schemeClr val="accent1"/>
+            </a:effectRef>
+            <a:fontRef idx="minor">
+              <a:schemeClr val="tx1"/>
+            </a:fontRef>
+          </p:style>
+        </p:cxnSp>
+        <p:cxnSp>
+          <p:nvCxnSpPr>
+            <p:cNvPr id="12" name="直接连接符 11">
+              <a:extLst>
+                <a:ext uri="{FF2B5EF4-FFF2-40B4-BE49-F238E27FC236}">
+                  <a16:creationId xmlns:a16="http://schemas.microsoft.com/office/drawing/2014/main" id="{5EB5F331-F151-43EA-A04C-91F895FD1017}"/>
+                </a:ext>
+              </a:extLst>
+            </p:cNvPr>
+            <p:cNvCxnSpPr>
+              <a:cxnSpLocks/>
+            </p:cNvCxnSpPr>
+            <p:nvPr/>
+          </p:nvCxnSpPr>
+          <p:spPr>
+            <a:xfrm flipV="1">
+              <a:off x="3359696" y="1556792"/>
+              <a:ext cx="1728192" cy="1152128"/>
+            </a:xfrm>
+            <a:prstGeom prst="line">
+              <a:avLst/>
+            </a:prstGeom>
+          </p:spPr>
+          <p:style>
+            <a:lnRef idx="3">
+              <a:schemeClr val="accent1"/>
+            </a:lnRef>
+            <a:fillRef idx="0">
+              <a:schemeClr val="accent1"/>
+            </a:fillRef>
+            <a:effectRef idx="2">
+              <a:schemeClr val="accent1"/>
+            </a:effectRef>
+            <a:fontRef idx="minor">
+              <a:schemeClr val="tx1"/>
+            </a:fontRef>
+          </p:style>
+        </p:cxnSp>
+      </p:grpSp>
+      <p:grpSp>
+        <p:nvGrpSpPr>
+          <p:cNvPr id="20" name="组合 19">
+            <a:extLst>
+              <a:ext uri="{FF2B5EF4-FFF2-40B4-BE49-F238E27FC236}">
+                <a16:creationId xmlns:a16="http://schemas.microsoft.com/office/drawing/2014/main" id="{5186EDB6-70F8-44B8-98D6-AC9A590DDF0F}"/>
+              </a:ext>
+            </a:extLst>
+          </p:cNvPr>
+          <p:cNvGrpSpPr/>
+          <p:nvPr/>
+        </p:nvGrpSpPr>
+        <p:grpSpPr>
+          <a:xfrm>
+            <a:off x="6240016" y="1374757"/>
+            <a:ext cx="2232248" cy="1372181"/>
+            <a:chOff x="6240016" y="1374757"/>
+            <a:chExt cx="2232248" cy="1372181"/>
+          </a:xfrm>
+        </p:grpSpPr>
+        <p:cxnSp>
+          <p:nvCxnSpPr>
+            <p:cNvPr id="15" name="直接连接符 14">
+              <a:extLst>
+                <a:ext uri="{FF2B5EF4-FFF2-40B4-BE49-F238E27FC236}">
+                  <a16:creationId xmlns:a16="http://schemas.microsoft.com/office/drawing/2014/main" id="{1DAFAECE-977C-4443-8282-554EE3F49C58}"/>
+                </a:ext>
+              </a:extLst>
+            </p:cNvPr>
+            <p:cNvCxnSpPr>
+              <a:cxnSpLocks/>
+            </p:cNvCxnSpPr>
+            <p:nvPr/>
+          </p:nvCxnSpPr>
+          <p:spPr>
+            <a:xfrm>
+              <a:off x="6240016" y="2060848"/>
+              <a:ext cx="2232248" cy="0"/>
+            </a:xfrm>
+            <a:prstGeom prst="line">
+              <a:avLst/>
+            </a:prstGeom>
+          </p:spPr>
+          <p:style>
+            <a:lnRef idx="3">
+              <a:schemeClr val="accent2"/>
+            </a:lnRef>
+            <a:fillRef idx="0">
+              <a:schemeClr val="accent2"/>
+            </a:fillRef>
+            <a:effectRef idx="2">
+              <a:schemeClr val="accent2"/>
+            </a:effectRef>
+            <a:fontRef idx="minor">
+              <a:schemeClr val="tx1"/>
+            </a:fontRef>
+          </p:style>
+        </p:cxnSp>
+        <p:cxnSp>
+          <p:nvCxnSpPr>
+            <p:cNvPr id="18" name="直接连接符 17">
+              <a:extLst>
+                <a:ext uri="{FF2B5EF4-FFF2-40B4-BE49-F238E27FC236}">
+                  <a16:creationId xmlns:a16="http://schemas.microsoft.com/office/drawing/2014/main" id="{418AC5EB-7E1A-4389-9B21-3A0D2B42E84F}"/>
+                </a:ext>
+              </a:extLst>
+            </p:cNvPr>
+            <p:cNvCxnSpPr>
+              <a:cxnSpLocks/>
+            </p:cNvCxnSpPr>
+            <p:nvPr/>
+          </p:nvCxnSpPr>
+          <p:spPr>
+            <a:xfrm flipV="1">
+              <a:off x="7320136" y="1374757"/>
+              <a:ext cx="0" cy="1372181"/>
+            </a:xfrm>
+            <a:prstGeom prst="line">
+              <a:avLst/>
+            </a:prstGeom>
+          </p:spPr>
+          <p:style>
+            <a:lnRef idx="3">
+              <a:schemeClr val="accent2"/>
+            </a:lnRef>
+            <a:fillRef idx="0">
+              <a:schemeClr val="accent2"/>
+            </a:fillRef>
+            <a:effectRef idx="2">
+              <a:schemeClr val="accent2"/>
+            </a:effectRef>
+            <a:fontRef idx="minor">
+              <a:schemeClr val="tx1"/>
+            </a:fontRef>
+          </p:style>
+        </p:cxnSp>
+      </p:grpSp>
+      <p:grpSp>
+        <p:nvGrpSpPr>
+          <p:cNvPr id="24" name="组合 23">
+            <a:extLst>
+              <a:ext uri="{FF2B5EF4-FFF2-40B4-BE49-F238E27FC236}">
+                <a16:creationId xmlns:a16="http://schemas.microsoft.com/office/drawing/2014/main" id="{886D98C7-276A-4324-8D68-B6CA22F759BE}"/>
+              </a:ext>
+            </a:extLst>
+          </p:cNvPr>
+          <p:cNvGrpSpPr/>
+          <p:nvPr/>
+        </p:nvGrpSpPr>
+        <p:grpSpPr>
+          <a:xfrm>
+            <a:off x="9336360" y="1770779"/>
+            <a:ext cx="2279907" cy="889956"/>
+            <a:chOff x="9336360" y="1770779"/>
+            <a:chExt cx="2279907" cy="889956"/>
+          </a:xfrm>
+        </p:grpSpPr>
+        <p:sp>
+          <p:nvSpPr>
+            <p:cNvPr id="22" name="任意多边形: 形状 21">
+              <a:extLst>
+                <a:ext uri="{FF2B5EF4-FFF2-40B4-BE49-F238E27FC236}">
+                  <a16:creationId xmlns:a16="http://schemas.microsoft.com/office/drawing/2014/main" id="{4F1A67BE-E20E-45B6-AC1E-A72A854632B4}"/>
+                </a:ext>
+              </a:extLst>
+            </p:cNvPr>
+            <p:cNvSpPr/>
+            <p:nvPr/>
+          </p:nvSpPr>
+          <p:spPr>
+            <a:xfrm>
+              <a:off x="9387840" y="1770779"/>
+              <a:ext cx="2228427" cy="599888"/>
+            </a:xfrm>
+            <a:custGeom>
+              <a:avLst/>
+              <a:gdLst>
+                <a:gd name="connsiteX0" fmla="*/ 0 w 2228427"/>
+                <a:gd name="connsiteY0" fmla="*/ 389914 h 599888"/>
+                <a:gd name="connsiteX1" fmla="*/ 738293 w 2228427"/>
+                <a:gd name="connsiteY1" fmla="*/ 3834 h 599888"/>
+                <a:gd name="connsiteX2" fmla="*/ 1225973 w 2228427"/>
+                <a:gd name="connsiteY2" fmla="*/ 599888 h 599888"/>
+                <a:gd name="connsiteX3" fmla="*/ 2228427 w 2228427"/>
+                <a:gd name="connsiteY3" fmla="*/ 3834 h 599888"/>
+              </a:gdLst>
+              <a:ahLst/>
+              <a:cxnLst>
+                <a:cxn ang="0">
+                  <a:pos x="connsiteX0" y="connsiteY0"/>
+                </a:cxn>
+                <a:cxn ang="0">
+                  <a:pos x="connsiteX1" y="connsiteY1"/>
+                </a:cxn>
+                <a:cxn ang="0">
+                  <a:pos x="connsiteX2" y="connsiteY2"/>
+                </a:cxn>
+                <a:cxn ang="0">
+                  <a:pos x="connsiteX3" y="connsiteY3"/>
+                </a:cxn>
+              </a:cxnLst>
+              <a:rect l="l" t="t" r="r" b="b"/>
+              <a:pathLst>
+                <a:path w="2228427" h="599888">
+                  <a:moveTo>
+                    <a:pt x="0" y="389914"/>
+                  </a:moveTo>
+                  <a:cubicBezTo>
+                    <a:pt x="266982" y="179376"/>
+                    <a:pt x="533964" y="-31162"/>
+                    <a:pt x="738293" y="3834"/>
+                  </a:cubicBezTo>
+                  <a:cubicBezTo>
+                    <a:pt x="942622" y="38830"/>
+                    <a:pt x="977617" y="599888"/>
+                    <a:pt x="1225973" y="599888"/>
+                  </a:cubicBezTo>
+                  <a:cubicBezTo>
+                    <a:pt x="1474329" y="599888"/>
+                    <a:pt x="2081671" y="27541"/>
+                    <a:pt x="2228427" y="3834"/>
+                  </a:cubicBezTo>
+                </a:path>
+              </a:pathLst>
+            </a:custGeom>
+            <a:noFill/>
+          </p:spPr>
+          <p:style>
+            <a:lnRef idx="2">
+              <a:schemeClr val="accent1">
+                <a:shade val="50000"/>
+              </a:schemeClr>
+            </a:lnRef>
+            <a:fillRef idx="1">
+              <a:schemeClr val="accent1"/>
+            </a:fillRef>
+            <a:effectRef idx="0">
+              <a:schemeClr val="accent1"/>
+            </a:effectRef>
+            <a:fontRef idx="minor">
+              <a:schemeClr val="lt1"/>
+            </a:fontRef>
+          </p:style>
+          <p:txBody>
+            <a:bodyPr rtlCol="0" anchor="ctr"/>
+            <a:lstStyle/>
+            <a:p>
+              <a:pPr algn="ctr"/>
+              <a:endParaRPr lang="zh-CN" altLang="en-US"/>
+            </a:p>
+          </p:txBody>
+        </p:sp>
+        <p:sp>
+          <p:nvSpPr>
+            <p:cNvPr id="23" name="任意多边形: 形状 22">
+              <a:extLst>
+                <a:ext uri="{FF2B5EF4-FFF2-40B4-BE49-F238E27FC236}">
+                  <a16:creationId xmlns:a16="http://schemas.microsoft.com/office/drawing/2014/main" id="{6571A881-491E-419A-AD26-B55BE514FA68}"/>
+                </a:ext>
+              </a:extLst>
+            </p:cNvPr>
+            <p:cNvSpPr/>
+            <p:nvPr/>
+          </p:nvSpPr>
+          <p:spPr>
+            <a:xfrm>
+              <a:off x="9336360" y="2060847"/>
+              <a:ext cx="2228427" cy="599888"/>
+            </a:xfrm>
+            <a:custGeom>
+              <a:avLst/>
+              <a:gdLst>
+                <a:gd name="connsiteX0" fmla="*/ 0 w 2228427"/>
+                <a:gd name="connsiteY0" fmla="*/ 389914 h 599888"/>
+                <a:gd name="connsiteX1" fmla="*/ 738293 w 2228427"/>
+                <a:gd name="connsiteY1" fmla="*/ 3834 h 599888"/>
+                <a:gd name="connsiteX2" fmla="*/ 1225973 w 2228427"/>
+                <a:gd name="connsiteY2" fmla="*/ 599888 h 599888"/>
+                <a:gd name="connsiteX3" fmla="*/ 2228427 w 2228427"/>
+                <a:gd name="connsiteY3" fmla="*/ 3834 h 599888"/>
+              </a:gdLst>
+              <a:ahLst/>
+              <a:cxnLst>
+                <a:cxn ang="0">
+                  <a:pos x="connsiteX0" y="connsiteY0"/>
+                </a:cxn>
+                <a:cxn ang="0">
+                  <a:pos x="connsiteX1" y="connsiteY1"/>
+                </a:cxn>
+                <a:cxn ang="0">
+                  <a:pos x="connsiteX2" y="connsiteY2"/>
+                </a:cxn>
+                <a:cxn ang="0">
+                  <a:pos x="connsiteX3" y="connsiteY3"/>
+                </a:cxn>
+              </a:cxnLst>
+              <a:rect l="l" t="t" r="r" b="b"/>
+              <a:pathLst>
+                <a:path w="2228427" h="599888">
+                  <a:moveTo>
+                    <a:pt x="0" y="389914"/>
+                  </a:moveTo>
+                  <a:cubicBezTo>
+                    <a:pt x="266982" y="179376"/>
+                    <a:pt x="533964" y="-31162"/>
+                    <a:pt x="738293" y="3834"/>
+                  </a:cubicBezTo>
+                  <a:cubicBezTo>
+                    <a:pt x="942622" y="38830"/>
+                    <a:pt x="977617" y="599888"/>
+                    <a:pt x="1225973" y="599888"/>
+                  </a:cubicBezTo>
+                  <a:cubicBezTo>
+                    <a:pt x="1474329" y="599888"/>
+                    <a:pt x="2081671" y="27541"/>
+                    <a:pt x="2228427" y="3834"/>
+                  </a:cubicBezTo>
+                </a:path>
+              </a:pathLst>
+            </a:custGeom>
+            <a:noFill/>
+          </p:spPr>
+          <p:style>
+            <a:lnRef idx="2">
+              <a:schemeClr val="accent1">
+                <a:shade val="50000"/>
+              </a:schemeClr>
+            </a:lnRef>
+            <a:fillRef idx="1">
+              <a:schemeClr val="accent1"/>
+            </a:fillRef>
+            <a:effectRef idx="0">
+              <a:schemeClr val="accent1"/>
+            </a:effectRef>
+            <a:fontRef idx="minor">
+              <a:schemeClr val="lt1"/>
+            </a:fontRef>
+          </p:style>
+          <p:txBody>
+            <a:bodyPr rtlCol="0" anchor="ctr"/>
+            <a:lstStyle/>
+            <a:p>
+              <a:pPr algn="ctr"/>
+              <a:endParaRPr lang="zh-CN" altLang="en-US"/>
+            </a:p>
+          </p:txBody>
+        </p:sp>
+      </p:grpSp>
+      <p:grpSp>
+        <p:nvGrpSpPr>
+          <p:cNvPr id="25" name="组合 24">
+            <a:extLst>
+              <a:ext uri="{FF2B5EF4-FFF2-40B4-BE49-F238E27FC236}">
+                <a16:creationId xmlns:a16="http://schemas.microsoft.com/office/drawing/2014/main" id="{28FBB203-BC2F-4C9E-BEDA-54D40C9C1B91}"/>
+              </a:ext>
+            </a:extLst>
+          </p:cNvPr>
+          <p:cNvGrpSpPr/>
+          <p:nvPr/>
+        </p:nvGrpSpPr>
+        <p:grpSpPr>
+          <a:xfrm rot="2700000">
+            <a:off x="6654282" y="4240059"/>
+            <a:ext cx="1656184" cy="432048"/>
+            <a:chOff x="1127448" y="2204864"/>
+            <a:chExt cx="1656184" cy="432048"/>
+          </a:xfrm>
+        </p:grpSpPr>
+        <p:cxnSp>
+          <p:nvCxnSpPr>
+            <p:cNvPr id="26" name="直接连接符 25">
+              <a:extLst>
+                <a:ext uri="{FF2B5EF4-FFF2-40B4-BE49-F238E27FC236}">
+                  <a16:creationId xmlns:a16="http://schemas.microsoft.com/office/drawing/2014/main" id="{3ACAA9D4-EF8C-466E-A520-DADD88E13225}"/>
+                </a:ext>
+              </a:extLst>
+            </p:cNvPr>
+            <p:cNvCxnSpPr/>
+            <p:nvPr/>
+          </p:nvCxnSpPr>
+          <p:spPr>
+            <a:xfrm>
+              <a:off x="1127448" y="2204864"/>
+              <a:ext cx="1656184" cy="0"/>
+            </a:xfrm>
+            <a:prstGeom prst="line">
+              <a:avLst/>
+            </a:prstGeom>
+          </p:spPr>
+          <p:style>
+            <a:lnRef idx="3">
+              <a:schemeClr val="accent5"/>
+            </a:lnRef>
+            <a:fillRef idx="0">
+              <a:schemeClr val="accent5"/>
+            </a:fillRef>
+            <a:effectRef idx="2">
+              <a:schemeClr val="accent5"/>
+            </a:effectRef>
+            <a:fontRef idx="minor">
+              <a:schemeClr val="tx1"/>
+            </a:fontRef>
+          </p:style>
+        </p:cxnSp>
+        <p:cxnSp>
+          <p:nvCxnSpPr>
+            <p:cNvPr id="27" name="直接连接符 26">
+              <a:extLst>
+                <a:ext uri="{FF2B5EF4-FFF2-40B4-BE49-F238E27FC236}">
+                  <a16:creationId xmlns:a16="http://schemas.microsoft.com/office/drawing/2014/main" id="{25BFC04F-2C86-47C7-8D7B-F4A9582AAFFA}"/>
+                </a:ext>
+              </a:extLst>
+            </p:cNvPr>
+            <p:cNvCxnSpPr/>
+            <p:nvPr/>
+          </p:nvCxnSpPr>
+          <p:spPr>
+            <a:xfrm>
+              <a:off x="1127448" y="2636912"/>
+              <a:ext cx="1656184" cy="0"/>
+            </a:xfrm>
+            <a:prstGeom prst="line">
+              <a:avLst/>
+            </a:prstGeom>
+          </p:spPr>
+          <p:style>
+            <a:lnRef idx="3">
+              <a:schemeClr val="accent5"/>
+            </a:lnRef>
+            <a:fillRef idx="0">
+              <a:schemeClr val="accent5"/>
+            </a:fillRef>
+            <a:effectRef idx="2">
+              <a:schemeClr val="accent5"/>
+            </a:effectRef>
+            <a:fontRef idx="minor">
+              <a:schemeClr val="tx1"/>
+            </a:fontRef>
+          </p:style>
+        </p:cxnSp>
+      </p:grpSp>
+      <p:grpSp>
+        <p:nvGrpSpPr>
+          <p:cNvPr id="31" name="组合 30">
+            <a:extLst>
+              <a:ext uri="{FF2B5EF4-FFF2-40B4-BE49-F238E27FC236}">
+                <a16:creationId xmlns:a16="http://schemas.microsoft.com/office/drawing/2014/main" id="{8780BA4C-8043-43F9-BB85-899BCB3E58D8}"/>
+              </a:ext>
+            </a:extLst>
+          </p:cNvPr>
+          <p:cNvGrpSpPr/>
+          <p:nvPr/>
+        </p:nvGrpSpPr>
+        <p:grpSpPr>
+          <a:xfrm>
+            <a:off x="3503712" y="3303956"/>
+            <a:ext cx="1800200" cy="2573316"/>
+            <a:chOff x="3503712" y="3303956"/>
+            <a:chExt cx="1800200" cy="2573316"/>
+          </a:xfrm>
+        </p:grpSpPr>
+        <p:cxnSp>
+          <p:nvCxnSpPr>
+            <p:cNvPr id="29" name="直接连接符 28">
+              <a:extLst>
+                <a:ext uri="{FF2B5EF4-FFF2-40B4-BE49-F238E27FC236}">
+                  <a16:creationId xmlns:a16="http://schemas.microsoft.com/office/drawing/2014/main" id="{7061C45F-4856-49BD-8CFB-DF8E96168F61}"/>
+                </a:ext>
+              </a:extLst>
+            </p:cNvPr>
+            <p:cNvCxnSpPr/>
+            <p:nvPr/>
+          </p:nvCxnSpPr>
+          <p:spPr>
+            <a:xfrm>
+              <a:off x="3863752" y="3303956"/>
+              <a:ext cx="1440160" cy="1152128"/>
+            </a:xfrm>
+            <a:prstGeom prst="line">
+              <a:avLst/>
+            </a:prstGeom>
+          </p:spPr>
+          <p:style>
+            <a:lnRef idx="3">
+              <a:schemeClr val="accent4"/>
+            </a:lnRef>
+            <a:fillRef idx="0">
+              <a:schemeClr val="accent4"/>
+            </a:fillRef>
+            <a:effectRef idx="2">
+              <a:schemeClr val="accent4"/>
+            </a:effectRef>
+            <a:fontRef idx="minor">
+              <a:schemeClr val="tx1"/>
+            </a:fontRef>
+          </p:style>
+        </p:cxnSp>
+        <p:cxnSp>
+          <p:nvCxnSpPr>
+            <p:cNvPr id="30" name="直接连接符 29">
+              <a:extLst>
+                <a:ext uri="{FF2B5EF4-FFF2-40B4-BE49-F238E27FC236}">
+                  <a16:creationId xmlns:a16="http://schemas.microsoft.com/office/drawing/2014/main" id="{9569EFC0-9B8D-44E0-A577-6D228BC6703B}"/>
+                </a:ext>
+              </a:extLst>
+            </p:cNvPr>
+            <p:cNvCxnSpPr>
+              <a:cxnSpLocks/>
+            </p:cNvCxnSpPr>
+            <p:nvPr/>
+          </p:nvCxnSpPr>
+          <p:spPr>
+            <a:xfrm flipV="1">
+              <a:off x="3503712" y="4725144"/>
+              <a:ext cx="1728192" cy="1152128"/>
+            </a:xfrm>
+            <a:prstGeom prst="line">
+              <a:avLst/>
+            </a:prstGeom>
+          </p:spPr>
+          <p:style>
+            <a:lnRef idx="3">
+              <a:schemeClr val="accent4"/>
+            </a:lnRef>
+            <a:fillRef idx="0">
+              <a:schemeClr val="accent4"/>
+            </a:fillRef>
+            <a:effectRef idx="2">
+              <a:schemeClr val="accent4"/>
+            </a:effectRef>
+            <a:fontRef idx="minor">
+              <a:schemeClr val="tx1"/>
+            </a:fontRef>
+          </p:style>
+        </p:cxnSp>
+      </p:grpSp>
+    </p:spTree>
+    <p:extLst>
+      <p:ext uri="{BB962C8B-B14F-4D97-AF65-F5344CB8AC3E}">
+        <p14:creationId xmlns:p14="http://schemas.microsoft.com/office/powerpoint/2010/main" val="3259781914"/>
+      </p:ext>
+    </p:extLst>
+  </p:cSld>
+  <p:clrMapOvr>
+    <a:masterClrMapping/>
+  </p:clrMapOvr>
+  <mc:AlternateContent xmlns:mc="http://schemas.openxmlformats.org/markup-compatibility/2006" xmlns:p14="http://schemas.microsoft.com/office/powerpoint/2010/main">
+    <mc:Choice Requires="p14">
+      <p:transition spd="med" p14:dur="700">
+        <p:fade/>
+      </p:transition>
+    </mc:Choice>
+    <mc:Fallback xmlns="">
+      <p:transition spd="med">
+        <p:fade/>
+      </p:transition>
+    </mc:Fallback>
+  </mc:AlternateContent>
+</p:sld>
+</file>
+
+<file path=ppt/slides/slide13.xml><?xml version="1.0" encoding="utf-8"?>
+<p:sld xmlns:a="http://schemas.openxmlformats.org/drawingml/2006/main" xmlns:r="http://schemas.openxmlformats.org/officeDocument/2006/relationships" xmlns:p="http://schemas.openxmlformats.org/presentationml/2006/main">
+  <p:cSld>
+    <p:spTree>
+      <p:nvGrpSpPr>
+        <p:cNvPr id="1" name=""/>
+        <p:cNvGrpSpPr/>
+        <p:nvPr/>
+      </p:nvGrpSpPr>
+      <p:grpSpPr>
+        <a:xfrm>
+          <a:off x="0" y="0"/>
+          <a:ext cx="0" cy="0"/>
+          <a:chOff x="0" y="0"/>
+          <a:chExt cx="0" cy="0"/>
+        </a:xfrm>
+      </p:grpSpPr>
+      <p:sp>
+        <p:nvSpPr>
+          <p:cNvPr id="2" name="标题 1">
+            <a:extLst>
+              <a:ext uri="{FF2B5EF4-FFF2-40B4-BE49-F238E27FC236}">
+                <a16:creationId xmlns:a16="http://schemas.microsoft.com/office/drawing/2014/main" id="{29E8A984-838A-4A6C-AC04-7D12E6595250}"/>
+              </a:ext>
+            </a:extLst>
+          </p:cNvPr>
+          <p:cNvSpPr txBox="1">
+            <a:spLocks/>
+          </p:cNvSpPr>
+          <p:nvPr/>
+        </p:nvSpPr>
+        <p:spPr>
+          <a:xfrm>
+            <a:off x="17065" y="114474"/>
+            <a:ext cx="1559496" cy="332656"/>
+          </a:xfrm>
+          <a:prstGeom prst="rect">
+            <a:avLst/>
+          </a:prstGeom>
+        </p:spPr>
+        <p:txBody>
+          <a:bodyPr vert="horz" lIns="91440" tIns="45720" rIns="91440" bIns="45720" rtlCol="0" anchor="b">
+            <a:noAutofit/>
+          </a:bodyPr>
+          <a:lstStyle>
+            <a:lvl1pPr algn="l" defTabSz="914400" rtl="0" eaLnBrk="1" latinLnBrk="0" hangingPunct="1">
+              <a:lnSpc>
+                <a:spcPct val="90000"/>
+              </a:lnSpc>
+              <a:spcBef>
+                <a:spcPct val="0"/>
+              </a:spcBef>
+              <a:buNone/>
+              <a:defRPr sz="3200" kern="1200">
+                <a:solidFill>
+                  <a:schemeClr val="tx1"/>
+                </a:solidFill>
+                <a:latin typeface="微软雅黑" panose="020B0503020204020204" pitchFamily="34" charset="-122"/>
+                <a:ea typeface="微软雅黑" panose="020B0503020204020204" pitchFamily="34" charset="-122"/>
+                <a:cs typeface="+mj-cs"/>
+              </a:defRPr>
+            </a:lvl1pPr>
+          </a:lstStyle>
+          <a:p>
+            <a:r>
+              <a:rPr lang="zh-CN" altLang="en-US" sz="2400" b="1" dirty="0">
+                <a:solidFill>
+                  <a:srgbClr val="553323"/>
+                </a:solidFill>
+              </a:rPr>
+              <a:t>各种角</a:t>
+            </a:r>
+            <a:endParaRPr lang="zh-cn" sz="2400" b="1" dirty="0">
+              <a:solidFill>
+                <a:srgbClr val="553323"/>
+              </a:solidFill>
+            </a:endParaRPr>
+          </a:p>
+        </p:txBody>
+      </p:sp>
+      <p:sp>
+        <p:nvSpPr>
+          <p:cNvPr id="3" name="椭圆 2">
+            <a:extLst>
+              <a:ext uri="{FF2B5EF4-FFF2-40B4-BE49-F238E27FC236}">
+                <a16:creationId xmlns:a16="http://schemas.microsoft.com/office/drawing/2014/main" id="{3A77A1DC-4E7C-41E5-B9FA-F715D1B58E9D}"/>
+              </a:ext>
+            </a:extLst>
+          </p:cNvPr>
+          <p:cNvSpPr/>
+          <p:nvPr/>
+        </p:nvSpPr>
+        <p:spPr>
+          <a:xfrm flipH="1">
+            <a:off x="1714313" y="1641733"/>
+            <a:ext cx="97211" cy="97211"/>
+          </a:xfrm>
+          <a:prstGeom prst="ellipse">
+            <a:avLst/>
+          </a:prstGeom>
+        </p:spPr>
+        <p:style>
+          <a:lnRef idx="2">
+            <a:schemeClr val="accent1">
+              <a:shade val="50000"/>
+            </a:schemeClr>
+          </a:lnRef>
+          <a:fillRef idx="1">
+            <a:schemeClr val="accent1"/>
+          </a:fillRef>
+          <a:effectRef idx="0">
+            <a:schemeClr val="accent1"/>
+          </a:effectRef>
+          <a:fontRef idx="minor">
+            <a:schemeClr val="lt1"/>
+          </a:fontRef>
+        </p:style>
+        <p:txBody>
+          <a:bodyPr rtlCol="0" anchor="ctr"/>
+          <a:lstStyle/>
+          <a:p>
+            <a:pPr algn="ctr"/>
+            <a:endParaRPr lang="zh-CN" altLang="en-US"/>
+          </a:p>
+        </p:txBody>
+      </p:sp>
+      <p:cxnSp>
+        <p:nvCxnSpPr>
+          <p:cNvPr id="7" name="直接连接符 6">
+            <a:extLst>
+              <a:ext uri="{FF2B5EF4-FFF2-40B4-BE49-F238E27FC236}">
+                <a16:creationId xmlns:a16="http://schemas.microsoft.com/office/drawing/2014/main" id="{CD13C532-DE07-4879-97B9-400451F27EC2}"/>
+              </a:ext>
+            </a:extLst>
+          </p:cNvPr>
+          <p:cNvCxnSpPr>
+            <a:cxnSpLocks/>
+          </p:cNvCxnSpPr>
+          <p:nvPr/>
+        </p:nvCxnSpPr>
+        <p:spPr>
+          <a:xfrm flipV="1">
+            <a:off x="1786321" y="1306897"/>
+            <a:ext cx="1969419" cy="383442"/>
+          </a:xfrm>
+          <a:prstGeom prst="line">
+            <a:avLst/>
+          </a:prstGeom>
+        </p:spPr>
+        <p:style>
+          <a:lnRef idx="3">
+            <a:schemeClr val="accent1"/>
+          </a:lnRef>
+          <a:fillRef idx="0">
+            <a:schemeClr val="accent1"/>
+          </a:fillRef>
+          <a:effectRef idx="2">
+            <a:schemeClr val="accent1"/>
+          </a:effectRef>
+          <a:fontRef idx="minor">
+            <a:schemeClr val="tx1"/>
+          </a:fontRef>
+        </p:style>
+      </p:cxnSp>
+      <p:cxnSp>
+        <p:nvCxnSpPr>
+          <p:cNvPr id="17" name="直接连接符 16">
+            <a:extLst>
+              <a:ext uri="{FF2B5EF4-FFF2-40B4-BE49-F238E27FC236}">
+                <a16:creationId xmlns:a16="http://schemas.microsoft.com/office/drawing/2014/main" id="{A4293D87-50DC-481F-8741-04283FBBE355}"/>
+              </a:ext>
+            </a:extLst>
+          </p:cNvPr>
+          <p:cNvCxnSpPr>
+            <a:cxnSpLocks/>
+          </p:cNvCxnSpPr>
+          <p:nvPr/>
+        </p:nvCxnSpPr>
+        <p:spPr>
+          <a:xfrm flipH="1" flipV="1">
+            <a:off x="1786321" y="1690339"/>
+            <a:ext cx="2376264" cy="947439"/>
+          </a:xfrm>
+          <a:prstGeom prst="line">
+            <a:avLst/>
+          </a:prstGeom>
+        </p:spPr>
+        <p:style>
+          <a:lnRef idx="3">
+            <a:schemeClr val="accent1"/>
+          </a:lnRef>
+          <a:fillRef idx="0">
+            <a:schemeClr val="accent1"/>
+          </a:fillRef>
+          <a:effectRef idx="2">
+            <a:schemeClr val="accent1"/>
+          </a:effectRef>
+          <a:fontRef idx="minor">
+            <a:schemeClr val="tx1"/>
+          </a:fontRef>
+        </p:style>
+      </p:cxnSp>
+      <p:sp>
+        <p:nvSpPr>
+          <p:cNvPr id="16" name="椭圆 15">
+            <a:extLst>
+              <a:ext uri="{FF2B5EF4-FFF2-40B4-BE49-F238E27FC236}">
+                <a16:creationId xmlns:a16="http://schemas.microsoft.com/office/drawing/2014/main" id="{48B78B24-7CE1-442F-9EB8-AB3934B116DC}"/>
+              </a:ext>
+            </a:extLst>
+          </p:cNvPr>
+          <p:cNvSpPr/>
+          <p:nvPr/>
+        </p:nvSpPr>
+        <p:spPr>
+          <a:xfrm>
+            <a:off x="1343472" y="1268760"/>
+            <a:ext cx="936104" cy="886835"/>
+          </a:xfrm>
+          <a:prstGeom prst="ellipse">
+            <a:avLst/>
+          </a:prstGeom>
+          <a:noFill/>
+          <a:ln>
+            <a:solidFill>
+              <a:srgbClr val="00B050"/>
+            </a:solidFill>
+            <a:prstDash val="dash"/>
+          </a:ln>
+        </p:spPr>
+        <p:style>
+          <a:lnRef idx="2">
+            <a:schemeClr val="accent1">
+              <a:shade val="50000"/>
+            </a:schemeClr>
+          </a:lnRef>
+          <a:fillRef idx="1">
+            <a:schemeClr val="accent1"/>
+          </a:fillRef>
+          <a:effectRef idx="0">
+            <a:schemeClr val="accent1"/>
+          </a:effectRef>
+          <a:fontRef idx="minor">
+            <a:schemeClr val="lt1"/>
+          </a:fontRef>
+        </p:style>
+        <p:txBody>
+          <a:bodyPr rtlCol="0" anchor="ctr"/>
+          <a:lstStyle/>
+          <a:p>
+            <a:pPr algn="ctr"/>
+            <a:endParaRPr lang="zh-CN" altLang="en-US"/>
+          </a:p>
+        </p:txBody>
+      </p:sp>
+      <p:sp>
+        <p:nvSpPr>
+          <p:cNvPr id="20" name="矩形 19">
+            <a:extLst>
+              <a:ext uri="{FF2B5EF4-FFF2-40B4-BE49-F238E27FC236}">
+                <a16:creationId xmlns:a16="http://schemas.microsoft.com/office/drawing/2014/main" id="{2270EA5B-491C-4BF7-B921-87C74FCF009C}"/>
+              </a:ext>
+            </a:extLst>
+          </p:cNvPr>
+          <p:cNvSpPr/>
+          <p:nvPr/>
+        </p:nvSpPr>
+        <p:spPr>
+          <a:xfrm>
+            <a:off x="401780" y="1180068"/>
+            <a:ext cx="880369" cy="923330"/>
+          </a:xfrm>
+          <a:prstGeom prst="rect">
+            <a:avLst/>
+          </a:prstGeom>
+          <a:noFill/>
+        </p:spPr>
+        <p:txBody>
+          <a:bodyPr wrap="none" lIns="91440" tIns="45720" rIns="91440" bIns="45720">
+            <a:spAutoFit/>
+          </a:bodyPr>
+          <a:lstStyle/>
+          <a:p>
+            <a:pPr algn="ctr"/>
+            <a:r>
+              <a:rPr lang="zh-CN" altLang="en-US" sz="5400" b="1" dirty="0">
+                <a:ln w="9525">
+                  <a:solidFill>
+                    <a:schemeClr val="bg1"/>
+                  </a:solidFill>
+                  <a:prstDash val="solid"/>
+                </a:ln>
+                <a:solidFill>
+                  <a:schemeClr val="accent5"/>
+                </a:solidFill>
+                <a:effectLst>
+                  <a:outerShdw blurRad="12700" dist="38100" dir="2700000" algn="tl" rotWithShape="0">
+                    <a:schemeClr val="accent5">
+                      <a:lumMod val="60000"/>
+                      <a:lumOff val="40000"/>
+                    </a:schemeClr>
+                  </a:outerShdw>
+                </a:effectLst>
+              </a:rPr>
+              <a:t>角</a:t>
+            </a:r>
+            <a:endParaRPr lang="en-US" altLang="zh-CN" sz="5400" b="1" dirty="0">
+              <a:ln w="9525">
+                <a:solidFill>
+                  <a:schemeClr val="bg1"/>
+                </a:solidFill>
+                <a:prstDash val="solid"/>
+              </a:ln>
+              <a:solidFill>
+                <a:schemeClr val="accent5"/>
+              </a:solidFill>
+              <a:effectLst>
+                <a:outerShdw blurRad="12700" dist="38100" dir="2700000" algn="tl" rotWithShape="0">
+                  <a:schemeClr val="accent5">
+                    <a:lumMod val="60000"/>
+                    <a:lumOff val="40000"/>
+                  </a:schemeClr>
+                </a:outerShdw>
+              </a:effectLst>
+            </a:endParaRPr>
+          </a:p>
+        </p:txBody>
+      </p:sp>
+      <p:cxnSp>
+        <p:nvCxnSpPr>
+          <p:cNvPr id="22" name="直接连接符 21">
+            <a:extLst>
+              <a:ext uri="{FF2B5EF4-FFF2-40B4-BE49-F238E27FC236}">
+                <a16:creationId xmlns:a16="http://schemas.microsoft.com/office/drawing/2014/main" id="{46607E0B-AD55-46B2-B9C6-6F6E6BF1E9A1}"/>
+              </a:ext>
+            </a:extLst>
+          </p:cNvPr>
+          <p:cNvCxnSpPr>
+            <a:cxnSpLocks/>
+          </p:cNvCxnSpPr>
+          <p:nvPr/>
+        </p:nvCxnSpPr>
+        <p:spPr>
+          <a:xfrm>
+            <a:off x="8520457" y="1753646"/>
+            <a:ext cx="1728078" cy="0"/>
+          </a:xfrm>
+          <a:prstGeom prst="line">
+            <a:avLst/>
+          </a:prstGeom>
+        </p:spPr>
+        <p:style>
+          <a:lnRef idx="3">
+            <a:schemeClr val="accent3"/>
+          </a:lnRef>
+          <a:fillRef idx="0">
+            <a:schemeClr val="accent3"/>
+          </a:fillRef>
+          <a:effectRef idx="2">
+            <a:schemeClr val="accent3"/>
+          </a:effectRef>
+          <a:fontRef idx="minor">
+            <a:schemeClr val="tx1"/>
+          </a:fontRef>
+        </p:style>
+      </p:cxnSp>
+      <p:sp>
+        <p:nvSpPr>
+          <p:cNvPr id="30" name="矩形 29">
+            <a:extLst>
+              <a:ext uri="{FF2B5EF4-FFF2-40B4-BE49-F238E27FC236}">
+                <a16:creationId xmlns:a16="http://schemas.microsoft.com/office/drawing/2014/main" id="{A0AC2320-7575-41E7-B0B3-CE44C3A56552}"/>
+              </a:ext>
+            </a:extLst>
+          </p:cNvPr>
+          <p:cNvSpPr/>
+          <p:nvPr/>
+        </p:nvSpPr>
+        <p:spPr>
+          <a:xfrm>
+            <a:off x="5964173" y="1174327"/>
+            <a:ext cx="1576072" cy="923330"/>
+          </a:xfrm>
+          <a:prstGeom prst="rect">
+            <a:avLst/>
+          </a:prstGeom>
+          <a:noFill/>
+        </p:spPr>
+        <p:txBody>
+          <a:bodyPr wrap="none" lIns="91440" tIns="45720" rIns="91440" bIns="45720">
+            <a:spAutoFit/>
+          </a:bodyPr>
+          <a:lstStyle/>
+          <a:p>
+            <a:pPr algn="ctr"/>
+            <a:r>
+              <a:rPr lang="zh-CN" altLang="en-US" sz="5400" b="1" dirty="0">
+                <a:ln w="9525">
+                  <a:solidFill>
+                    <a:schemeClr val="bg1"/>
+                  </a:solidFill>
+                  <a:prstDash val="solid"/>
+                </a:ln>
+                <a:solidFill>
+                  <a:schemeClr val="accent5"/>
+                </a:solidFill>
+                <a:effectLst>
+                  <a:outerShdw blurRad="12700" dist="38100" dir="2700000" algn="tl" rotWithShape="0">
+                    <a:schemeClr val="accent5">
+                      <a:lumMod val="60000"/>
+                      <a:lumOff val="40000"/>
+                    </a:schemeClr>
+                  </a:outerShdw>
+                </a:effectLst>
+              </a:rPr>
+              <a:t>角度</a:t>
+            </a:r>
+          </a:p>
+        </p:txBody>
+      </p:sp>
+      <p:sp>
+        <p:nvSpPr>
+          <p:cNvPr id="23" name="文本框 22">
+            <a:extLst>
+              <a:ext uri="{FF2B5EF4-FFF2-40B4-BE49-F238E27FC236}">
+                <a16:creationId xmlns:a16="http://schemas.microsoft.com/office/drawing/2014/main" id="{38AAE13B-C030-498C-972E-38CF733E0F3F}"/>
+              </a:ext>
+            </a:extLst>
+          </p:cNvPr>
+          <p:cNvSpPr txBox="1"/>
+          <p:nvPr/>
+        </p:nvSpPr>
+        <p:spPr>
+          <a:xfrm>
+            <a:off x="616075" y="899428"/>
+            <a:ext cx="583381" cy="400110"/>
+          </a:xfrm>
+          <a:prstGeom prst="rect">
+            <a:avLst/>
+          </a:prstGeom>
+          <a:noFill/>
+        </p:spPr>
+        <p:txBody>
+          <a:bodyPr wrap="square" rtlCol="0">
+            <a:spAutoFit/>
+          </a:bodyPr>
+          <a:lstStyle/>
+          <a:p>
+            <a:r>
+              <a:rPr lang="en-US" altLang="zh-CN" sz="2000" dirty="0" err="1"/>
+              <a:t>jiao</a:t>
+            </a:r>
+            <a:endParaRPr lang="zh-CN" altLang="en-US" sz="2000" dirty="0"/>
+          </a:p>
+        </p:txBody>
+      </p:sp>
+      <p:sp>
+        <p:nvSpPr>
+          <p:cNvPr id="34" name="文本框 33">
+            <a:extLst>
+              <a:ext uri="{FF2B5EF4-FFF2-40B4-BE49-F238E27FC236}">
+                <a16:creationId xmlns:a16="http://schemas.microsoft.com/office/drawing/2014/main" id="{FF38CBB1-6D70-4924-9338-DE87A4C7FCDC}"/>
+              </a:ext>
+            </a:extLst>
+          </p:cNvPr>
+          <p:cNvSpPr txBox="1"/>
+          <p:nvPr/>
+        </p:nvSpPr>
+        <p:spPr>
+          <a:xfrm>
+            <a:off x="6168828" y="915522"/>
+            <a:ext cx="583381" cy="400110"/>
+          </a:xfrm>
+          <a:prstGeom prst="rect">
+            <a:avLst/>
+          </a:prstGeom>
+          <a:noFill/>
+        </p:spPr>
+        <p:txBody>
+          <a:bodyPr wrap="square" rtlCol="0">
+            <a:spAutoFit/>
+          </a:bodyPr>
+          <a:lstStyle/>
+          <a:p>
+            <a:r>
+              <a:rPr lang="en-US" altLang="zh-CN" sz="2000" dirty="0" err="1"/>
+              <a:t>jiao</a:t>
+            </a:r>
+            <a:endParaRPr lang="zh-CN" altLang="en-US" sz="2000" dirty="0"/>
+          </a:p>
+        </p:txBody>
+      </p:sp>
+      <p:sp>
+        <p:nvSpPr>
+          <p:cNvPr id="35" name="文本框 34">
+            <a:extLst>
+              <a:ext uri="{FF2B5EF4-FFF2-40B4-BE49-F238E27FC236}">
+                <a16:creationId xmlns:a16="http://schemas.microsoft.com/office/drawing/2014/main" id="{EB2A2F59-BF72-47FB-ADD9-0B7D9D86E130}"/>
+              </a:ext>
+            </a:extLst>
+          </p:cNvPr>
+          <p:cNvSpPr txBox="1"/>
+          <p:nvPr/>
+        </p:nvSpPr>
+        <p:spPr>
+          <a:xfrm>
+            <a:off x="6885865" y="915522"/>
+            <a:ext cx="583381" cy="400110"/>
+          </a:xfrm>
+          <a:prstGeom prst="rect">
+            <a:avLst/>
+          </a:prstGeom>
+          <a:noFill/>
+        </p:spPr>
+        <p:txBody>
+          <a:bodyPr wrap="square" rtlCol="0">
+            <a:spAutoFit/>
+          </a:bodyPr>
+          <a:lstStyle/>
+          <a:p>
+            <a:r>
+              <a:rPr lang="en-US" altLang="zh-CN" sz="2000" dirty="0"/>
+              <a:t>du</a:t>
+            </a:r>
+            <a:endParaRPr lang="zh-CN" altLang="en-US" sz="2000" dirty="0"/>
+          </a:p>
+        </p:txBody>
+      </p:sp>
+      <p:cxnSp>
+        <p:nvCxnSpPr>
+          <p:cNvPr id="37" name="直接连接符 36">
+            <a:extLst>
+              <a:ext uri="{FF2B5EF4-FFF2-40B4-BE49-F238E27FC236}">
+                <a16:creationId xmlns:a16="http://schemas.microsoft.com/office/drawing/2014/main" id="{BECED897-80AB-43A2-84CD-7F3C40EA7D1E}"/>
+              </a:ext>
+            </a:extLst>
+          </p:cNvPr>
+          <p:cNvCxnSpPr>
+            <a:cxnSpLocks/>
+          </p:cNvCxnSpPr>
+          <p:nvPr/>
+        </p:nvCxnSpPr>
+        <p:spPr>
+          <a:xfrm flipV="1">
+            <a:off x="8520457" y="961558"/>
+            <a:ext cx="1507255" cy="792088"/>
+          </a:xfrm>
+          <a:prstGeom prst="line">
+            <a:avLst/>
+          </a:prstGeom>
+        </p:spPr>
+        <p:style>
+          <a:lnRef idx="3">
+            <a:schemeClr val="accent3"/>
+          </a:lnRef>
+          <a:fillRef idx="0">
+            <a:schemeClr val="accent3"/>
+          </a:fillRef>
+          <a:effectRef idx="2">
+            <a:schemeClr val="accent3"/>
+          </a:effectRef>
+          <a:fontRef idx="minor">
+            <a:schemeClr val="tx1"/>
+          </a:fontRef>
+        </p:style>
+      </p:cxnSp>
+      <p:sp>
+        <p:nvSpPr>
+          <p:cNvPr id="44" name="箭头: 上弧形 43">
+            <a:extLst>
+              <a:ext uri="{FF2B5EF4-FFF2-40B4-BE49-F238E27FC236}">
+                <a16:creationId xmlns:a16="http://schemas.microsoft.com/office/drawing/2014/main" id="{EB23609A-ABD9-488C-BF64-8E028F7B00A7}"/>
+              </a:ext>
+            </a:extLst>
+          </p:cNvPr>
+          <p:cNvSpPr/>
+          <p:nvPr/>
+        </p:nvSpPr>
+        <p:spPr>
+          <a:xfrm rot="4861800">
+            <a:off x="9464396" y="1360686"/>
+            <a:ext cx="574200" cy="223613"/>
+          </a:xfrm>
+          <a:prstGeom prst="curvedDownArrow">
+            <a:avLst/>
+          </a:prstGeom>
+        </p:spPr>
+        <p:style>
+          <a:lnRef idx="2">
+            <a:schemeClr val="accent4">
+              <a:shade val="50000"/>
+            </a:schemeClr>
+          </a:lnRef>
+          <a:fillRef idx="1">
+            <a:schemeClr val="accent4"/>
+          </a:fillRef>
+          <a:effectRef idx="0">
+            <a:schemeClr val="accent4"/>
+          </a:effectRef>
+          <a:fontRef idx="minor">
+            <a:schemeClr val="lt1"/>
+          </a:fontRef>
+        </p:style>
+        <p:txBody>
+          <a:bodyPr rtlCol="0" anchor="ctr"/>
+          <a:lstStyle/>
+          <a:p>
+            <a:pPr algn="ctr"/>
+            <a:endParaRPr lang="zh-CN" altLang="en-US">
+              <a:solidFill>
+                <a:schemeClr val="tx1"/>
+              </a:solidFill>
+            </a:endParaRPr>
+          </a:p>
+        </p:txBody>
+      </p:sp>
+      <p:grpSp>
+        <p:nvGrpSpPr>
+          <p:cNvPr id="62" name="组合 61">
+            <a:extLst>
+              <a:ext uri="{FF2B5EF4-FFF2-40B4-BE49-F238E27FC236}">
+                <a16:creationId xmlns:a16="http://schemas.microsoft.com/office/drawing/2014/main" id="{39DCB8C7-181E-4EC4-84F6-1EE0A9A1B599}"/>
+              </a:ext>
+            </a:extLst>
+          </p:cNvPr>
+          <p:cNvGrpSpPr/>
+          <p:nvPr/>
+        </p:nvGrpSpPr>
+        <p:grpSpPr>
+          <a:xfrm>
+            <a:off x="9768408" y="2257017"/>
+            <a:ext cx="1728078" cy="988245"/>
+            <a:chOff x="9768408" y="2257017"/>
+            <a:chExt cx="1728078" cy="988245"/>
+          </a:xfrm>
+        </p:grpSpPr>
+        <p:cxnSp>
+          <p:nvCxnSpPr>
+            <p:cNvPr id="45" name="直接连接符 44">
+              <a:extLst>
+                <a:ext uri="{FF2B5EF4-FFF2-40B4-BE49-F238E27FC236}">
+                  <a16:creationId xmlns:a16="http://schemas.microsoft.com/office/drawing/2014/main" id="{7E21C43A-BA3A-41AF-BB38-BB10343578B1}"/>
+                </a:ext>
+              </a:extLst>
+            </p:cNvPr>
+            <p:cNvCxnSpPr>
+              <a:cxnSpLocks/>
+            </p:cNvCxnSpPr>
+            <p:nvPr/>
+          </p:nvCxnSpPr>
+          <p:spPr>
+            <a:xfrm>
+              <a:off x="9768408" y="3245262"/>
+              <a:ext cx="1728078" cy="0"/>
+            </a:xfrm>
+            <a:prstGeom prst="line">
+              <a:avLst/>
+            </a:prstGeom>
+          </p:spPr>
+          <p:style>
+            <a:lnRef idx="3">
+              <a:schemeClr val="accent3"/>
+            </a:lnRef>
+            <a:fillRef idx="0">
+              <a:schemeClr val="accent3"/>
+            </a:fillRef>
+            <a:effectRef idx="2">
+              <a:schemeClr val="accent3"/>
+            </a:effectRef>
+            <a:fontRef idx="minor">
+              <a:schemeClr val="tx1"/>
+            </a:fontRef>
+          </p:style>
+        </p:cxnSp>
+        <p:cxnSp>
+          <p:nvCxnSpPr>
+            <p:cNvPr id="46" name="直接连接符 45">
+              <a:extLst>
+                <a:ext uri="{FF2B5EF4-FFF2-40B4-BE49-F238E27FC236}">
+                  <a16:creationId xmlns:a16="http://schemas.microsoft.com/office/drawing/2014/main" id="{F04004A7-24A0-4605-AD4B-6605A7DD4974}"/>
+                </a:ext>
+              </a:extLst>
+            </p:cNvPr>
+            <p:cNvCxnSpPr>
+              <a:cxnSpLocks/>
+            </p:cNvCxnSpPr>
+            <p:nvPr/>
+          </p:nvCxnSpPr>
+          <p:spPr>
+            <a:xfrm flipV="1">
+              <a:off x="9768408" y="2257017"/>
+              <a:ext cx="0" cy="988245"/>
+            </a:xfrm>
+            <a:prstGeom prst="line">
+              <a:avLst/>
+            </a:prstGeom>
+          </p:spPr>
+          <p:style>
+            <a:lnRef idx="3">
+              <a:schemeClr val="accent3"/>
+            </a:lnRef>
+            <a:fillRef idx="0">
+              <a:schemeClr val="accent3"/>
+            </a:fillRef>
+            <a:effectRef idx="2">
+              <a:schemeClr val="accent3"/>
+            </a:effectRef>
+            <a:fontRef idx="minor">
+              <a:schemeClr val="tx1"/>
+            </a:fontRef>
+          </p:style>
+        </p:cxnSp>
+      </p:grpSp>
+      <p:sp>
+        <p:nvSpPr>
+          <p:cNvPr id="47" name="箭头: 上弧形 46">
+            <a:extLst>
+              <a:ext uri="{FF2B5EF4-FFF2-40B4-BE49-F238E27FC236}">
+                <a16:creationId xmlns:a16="http://schemas.microsoft.com/office/drawing/2014/main" id="{4F3AD88F-6356-480A-9BD8-C1B325C3B1CC}"/>
+              </a:ext>
+            </a:extLst>
+          </p:cNvPr>
+          <p:cNvSpPr/>
+          <p:nvPr/>
+        </p:nvSpPr>
+        <p:spPr>
+          <a:xfrm rot="2737522">
+            <a:off x="9806643" y="2857133"/>
+            <a:ext cx="574200" cy="223613"/>
+          </a:xfrm>
+          <a:prstGeom prst="curvedDownArrow">
+            <a:avLst/>
+          </a:prstGeom>
+        </p:spPr>
+        <p:style>
+          <a:lnRef idx="2">
+            <a:schemeClr val="accent4">
+              <a:shade val="50000"/>
+            </a:schemeClr>
+          </a:lnRef>
+          <a:fillRef idx="1">
+            <a:schemeClr val="accent4"/>
+          </a:fillRef>
+          <a:effectRef idx="0">
+            <a:schemeClr val="accent4"/>
+          </a:effectRef>
+          <a:fontRef idx="minor">
+            <a:schemeClr val="lt1"/>
+          </a:fontRef>
+        </p:style>
+        <p:txBody>
+          <a:bodyPr rtlCol="0" anchor="ctr"/>
+          <a:lstStyle/>
+          <a:p>
+            <a:pPr algn="ctr"/>
+            <a:endParaRPr lang="zh-CN" altLang="en-US">
+              <a:solidFill>
+                <a:schemeClr val="tx1"/>
+              </a:solidFill>
+            </a:endParaRPr>
+          </a:p>
+        </p:txBody>
+      </p:sp>
+      <p:cxnSp>
+        <p:nvCxnSpPr>
+          <p:cNvPr id="49" name="直接连接符 48">
+            <a:extLst>
+              <a:ext uri="{FF2B5EF4-FFF2-40B4-BE49-F238E27FC236}">
+                <a16:creationId xmlns:a16="http://schemas.microsoft.com/office/drawing/2014/main" id="{E7567B18-578C-4B6D-B87F-3C490B93C3B9}"/>
+              </a:ext>
+            </a:extLst>
+          </p:cNvPr>
+          <p:cNvCxnSpPr>
+            <a:cxnSpLocks/>
+          </p:cNvCxnSpPr>
+          <p:nvPr/>
+        </p:nvCxnSpPr>
+        <p:spPr>
+          <a:xfrm>
+            <a:off x="7315030" y="3292218"/>
+            <a:ext cx="1728078" cy="0"/>
+          </a:xfrm>
+          <a:prstGeom prst="line">
+            <a:avLst/>
+          </a:prstGeom>
+        </p:spPr>
+        <p:style>
+          <a:lnRef idx="3">
+            <a:schemeClr val="accent3"/>
+          </a:lnRef>
+          <a:fillRef idx="0">
+            <a:schemeClr val="accent3"/>
+          </a:fillRef>
+          <a:effectRef idx="2">
+            <a:schemeClr val="accent3"/>
+          </a:effectRef>
+          <a:fontRef idx="minor">
+            <a:schemeClr val="tx1"/>
+          </a:fontRef>
+        </p:style>
+      </p:cxnSp>
+      <p:cxnSp>
+        <p:nvCxnSpPr>
+          <p:cNvPr id="50" name="直接连接符 49">
+            <a:extLst>
+              <a:ext uri="{FF2B5EF4-FFF2-40B4-BE49-F238E27FC236}">
+                <a16:creationId xmlns:a16="http://schemas.microsoft.com/office/drawing/2014/main" id="{160A4B80-18A9-4C8F-B2A5-9118EA35E1E7}"/>
+              </a:ext>
+            </a:extLst>
+          </p:cNvPr>
+          <p:cNvCxnSpPr>
+            <a:cxnSpLocks/>
+          </p:cNvCxnSpPr>
+          <p:nvPr/>
+        </p:nvCxnSpPr>
+        <p:spPr>
+          <a:xfrm flipH="1" flipV="1">
+            <a:off x="6234910" y="2643343"/>
+            <a:ext cx="1080120" cy="648876"/>
+          </a:xfrm>
+          <a:prstGeom prst="line">
+            <a:avLst/>
+          </a:prstGeom>
+        </p:spPr>
+        <p:style>
+          <a:lnRef idx="3">
+            <a:schemeClr val="accent3"/>
+          </a:lnRef>
+          <a:fillRef idx="0">
+            <a:schemeClr val="accent3"/>
+          </a:fillRef>
+          <a:effectRef idx="2">
+            <a:schemeClr val="accent3"/>
+          </a:effectRef>
+          <a:fontRef idx="minor">
+            <a:schemeClr val="tx1"/>
+          </a:fontRef>
+        </p:style>
+      </p:cxnSp>
+      <p:sp>
+        <p:nvSpPr>
+          <p:cNvPr id="51" name="箭头: 上弧形 50">
+            <a:extLst>
+              <a:ext uri="{FF2B5EF4-FFF2-40B4-BE49-F238E27FC236}">
+                <a16:creationId xmlns:a16="http://schemas.microsoft.com/office/drawing/2014/main" id="{916E3A78-5B98-464A-816F-2DFDA44E2E6E}"/>
+              </a:ext>
+            </a:extLst>
+          </p:cNvPr>
+          <p:cNvSpPr/>
+          <p:nvPr/>
+        </p:nvSpPr>
+        <p:spPr>
+          <a:xfrm rot="708400">
+            <a:off x="7166804" y="2950931"/>
+            <a:ext cx="772172" cy="257932"/>
+          </a:xfrm>
+          <a:prstGeom prst="curvedDownArrow">
+            <a:avLst>
+              <a:gd name="adj1" fmla="val 0"/>
+              <a:gd name="adj2" fmla="val 120614"/>
+              <a:gd name="adj3" fmla="val 25000"/>
+            </a:avLst>
+          </a:prstGeom>
+        </p:spPr>
+        <p:style>
+          <a:lnRef idx="2">
+            <a:schemeClr val="accent4">
+              <a:shade val="50000"/>
+            </a:schemeClr>
+          </a:lnRef>
+          <a:fillRef idx="1">
+            <a:schemeClr val="accent4"/>
+          </a:fillRef>
+          <a:effectRef idx="0">
+            <a:schemeClr val="accent4"/>
+          </a:effectRef>
+          <a:fontRef idx="minor">
+            <a:schemeClr val="lt1"/>
+          </a:fontRef>
+        </p:style>
+        <p:txBody>
+          <a:bodyPr rtlCol="0" anchor="ctr"/>
+          <a:lstStyle/>
+          <a:p>
+            <a:pPr algn="ctr"/>
+            <a:endParaRPr lang="zh-CN" altLang="en-US">
+              <a:solidFill>
+                <a:schemeClr val="tx1"/>
+              </a:solidFill>
+            </a:endParaRPr>
+          </a:p>
+        </p:txBody>
+      </p:sp>
+      <p:cxnSp>
+        <p:nvCxnSpPr>
+          <p:cNvPr id="56" name="直接连接符 55">
+            <a:extLst>
+              <a:ext uri="{FF2B5EF4-FFF2-40B4-BE49-F238E27FC236}">
+                <a16:creationId xmlns:a16="http://schemas.microsoft.com/office/drawing/2014/main" id="{7A4EC279-08E6-4F3C-A77B-5301B3991800}"/>
+              </a:ext>
+            </a:extLst>
+          </p:cNvPr>
+          <p:cNvCxnSpPr>
+            <a:cxnSpLocks/>
+          </p:cNvCxnSpPr>
+          <p:nvPr/>
+        </p:nvCxnSpPr>
+        <p:spPr>
+          <a:xfrm>
+            <a:off x="7248948" y="4581931"/>
+            <a:ext cx="1728078" cy="0"/>
+          </a:xfrm>
+          <a:prstGeom prst="line">
+            <a:avLst/>
+          </a:prstGeom>
+        </p:spPr>
+        <p:style>
+          <a:lnRef idx="3">
+            <a:schemeClr val="accent3"/>
+          </a:lnRef>
+          <a:fillRef idx="0">
+            <a:schemeClr val="accent3"/>
+          </a:fillRef>
+          <a:effectRef idx="2">
+            <a:schemeClr val="accent3"/>
+          </a:effectRef>
+          <a:fontRef idx="minor">
+            <a:schemeClr val="tx1"/>
+          </a:fontRef>
+        </p:style>
+      </p:cxnSp>
+      <p:cxnSp>
+        <p:nvCxnSpPr>
+          <p:cNvPr id="57" name="直接连接符 56">
+            <a:extLst>
+              <a:ext uri="{FF2B5EF4-FFF2-40B4-BE49-F238E27FC236}">
+                <a16:creationId xmlns:a16="http://schemas.microsoft.com/office/drawing/2014/main" id="{57EA274C-F862-4B92-8B9F-7D847EC70D1B}"/>
+              </a:ext>
+            </a:extLst>
+          </p:cNvPr>
+          <p:cNvCxnSpPr>
+            <a:cxnSpLocks/>
+          </p:cNvCxnSpPr>
+          <p:nvPr/>
+        </p:nvCxnSpPr>
+        <p:spPr>
+          <a:xfrm flipH="1">
+            <a:off x="6384032" y="4581932"/>
+            <a:ext cx="864916" cy="1511364"/>
+          </a:xfrm>
+          <a:prstGeom prst="line">
+            <a:avLst/>
+          </a:prstGeom>
+        </p:spPr>
+        <p:style>
+          <a:lnRef idx="3">
+            <a:schemeClr val="accent3"/>
+          </a:lnRef>
+          <a:fillRef idx="0">
+            <a:schemeClr val="accent3"/>
+          </a:fillRef>
+          <a:effectRef idx="2">
+            <a:schemeClr val="accent3"/>
+          </a:effectRef>
+          <a:fontRef idx="minor">
+            <a:schemeClr val="tx1"/>
+          </a:fontRef>
+        </p:style>
+      </p:cxnSp>
+      <p:sp>
+        <p:nvSpPr>
+          <p:cNvPr id="58" name="箭头: 上弧形 57">
+            <a:extLst>
+              <a:ext uri="{FF2B5EF4-FFF2-40B4-BE49-F238E27FC236}">
+                <a16:creationId xmlns:a16="http://schemas.microsoft.com/office/drawing/2014/main" id="{3CE7E309-4092-4A82-94BE-B247CBF2E2EF}"/>
+              </a:ext>
+            </a:extLst>
+          </p:cNvPr>
+          <p:cNvSpPr/>
+          <p:nvPr/>
+        </p:nvSpPr>
+        <p:spPr>
+          <a:xfrm rot="19652127">
+            <a:off x="6926110" y="4359812"/>
+            <a:ext cx="823140" cy="289285"/>
+          </a:xfrm>
+          <a:prstGeom prst="curvedDownArrow">
+            <a:avLst>
+              <a:gd name="adj1" fmla="val 0"/>
+              <a:gd name="adj2" fmla="val 120614"/>
+              <a:gd name="adj3" fmla="val 25000"/>
+            </a:avLst>
+          </a:prstGeom>
+        </p:spPr>
+        <p:style>
+          <a:lnRef idx="2">
+            <a:schemeClr val="accent4">
+              <a:shade val="50000"/>
+            </a:schemeClr>
+          </a:lnRef>
+          <a:fillRef idx="1">
+            <a:schemeClr val="accent4"/>
+          </a:fillRef>
+          <a:effectRef idx="0">
+            <a:schemeClr val="accent4"/>
+          </a:effectRef>
+          <a:fontRef idx="minor">
+            <a:schemeClr val="lt1"/>
+          </a:fontRef>
+        </p:style>
+        <p:txBody>
+          <a:bodyPr rtlCol="0" anchor="ctr"/>
+          <a:lstStyle/>
+          <a:p>
+            <a:pPr algn="ctr"/>
+            <a:endParaRPr lang="zh-CN" altLang="en-US">
+              <a:solidFill>
+                <a:schemeClr val="tx1"/>
+              </a:solidFill>
+            </a:endParaRPr>
+          </a:p>
+        </p:txBody>
+      </p:sp>
+    </p:spTree>
+    <p:extLst>
+      <p:ext uri="{BB962C8B-B14F-4D97-AF65-F5344CB8AC3E}">
+        <p14:creationId xmlns:p14="http://schemas.microsoft.com/office/powerpoint/2010/main" val="423463811"/>
+      </p:ext>
+    </p:extLst>
+  </p:cSld>
+  <p:clrMapOvr>
+    <a:masterClrMapping/>
+  </p:clrMapOvr>
+  <mc:AlternateContent xmlns:mc="http://schemas.openxmlformats.org/markup-compatibility/2006" xmlns:p14="http://schemas.microsoft.com/office/powerpoint/2010/main">
+    <mc:Choice Requires="p14">
+      <p:transition spd="med" p14:dur="700">
+        <p:fade/>
+      </p:transition>
+    </mc:Choice>
+    <mc:Fallback xmlns="">
+      <p:transition spd="med">
+        <p:fade/>
+      </p:transition>
+    </mc:Fallback>
+  </mc:AlternateContent>
+  <p:timing>
+    <p:tnLst>
+      <p:par>
+        <p:cTn id="1" dur="indefinite" restart="never" nodeType="tmRoot">
+          <p:childTnLst>
+            <p:seq concurrent="1" nextAc="seek">
+              <p:cTn id="2" dur="indefinite" nodeType="mainSeq">
+                <p:childTnLst>
+                  <p:par>
+                    <p:cTn id="3" fill="hold">
+                      <p:stCondLst>
+                        <p:cond delay="indefinite"/>
+                      </p:stCondLst>
+                      <p:childTnLst>
+                        <p:par>
+                          <p:cTn id="4" fill="hold">
+                            <p:stCondLst>
+                              <p:cond delay="0"/>
+                            </p:stCondLst>
+                            <p:childTnLst>
+                              <p:par>
+                                <p:cTn id="5" presetID="17" presetClass="entr" presetSubtype="8" fill="hold" nodeType="clickEffect">
+                                  <p:stCondLst>
+                                    <p:cond delay="0"/>
+                                  </p:stCondLst>
+                                  <p:childTnLst>
+                                    <p:set>
+                                      <p:cBhvr>
+                                        <p:cTn id="6" dur="1" fill="hold">
+                                          <p:stCondLst>
+                                            <p:cond delay="0"/>
+                                          </p:stCondLst>
+                                        </p:cTn>
+                                        <p:tgtEl>
+                                          <p:spTgt spid="7"/>
+                                        </p:tgtEl>
+                                        <p:attrNameLst>
+                                          <p:attrName>style.visibility</p:attrName>
+                                        </p:attrNameLst>
+                                      </p:cBhvr>
+                                      <p:to>
+                                        <p:strVal val="visible"/>
+                                      </p:to>
+                                    </p:set>
+                                    <p:anim calcmode="lin" valueType="num">
+                                      <p:cBhvr>
+                                        <p:cTn id="7" dur="5000" fill="hold"/>
+                                        <p:tgtEl>
+                                          <p:spTgt spid="7"/>
+                                        </p:tgtEl>
+                                        <p:attrNameLst>
+                                          <p:attrName>ppt_x</p:attrName>
+                                        </p:attrNameLst>
+                                      </p:cBhvr>
+                                      <p:tavLst>
+                                        <p:tav tm="0">
+                                          <p:val>
+                                            <p:strVal val="#ppt_x-#ppt_w/2"/>
+                                          </p:val>
+                                        </p:tav>
+                                        <p:tav tm="100000">
+                                          <p:val>
+                                            <p:strVal val="#ppt_x"/>
+                                          </p:val>
+                                        </p:tav>
+                                      </p:tavLst>
+                                    </p:anim>
+                                    <p:anim calcmode="lin" valueType="num">
+                                      <p:cBhvr>
+                                        <p:cTn id="8" dur="5000" fill="hold"/>
+                                        <p:tgtEl>
+                                          <p:spTgt spid="7"/>
+                                        </p:tgtEl>
+                                        <p:attrNameLst>
+                                          <p:attrName>ppt_y</p:attrName>
+                                        </p:attrNameLst>
+                                      </p:cBhvr>
+                                      <p:tavLst>
+                                        <p:tav tm="0">
+                                          <p:val>
+                                            <p:strVal val="#ppt_y"/>
+                                          </p:val>
+                                        </p:tav>
+                                        <p:tav tm="100000">
+                                          <p:val>
+                                            <p:strVal val="#ppt_y"/>
+                                          </p:val>
+                                        </p:tav>
+                                      </p:tavLst>
+                                    </p:anim>
+                                    <p:anim calcmode="lin" valueType="num">
+                                      <p:cBhvr>
+                                        <p:cTn id="9" dur="5000" fill="hold"/>
+                                        <p:tgtEl>
+                                          <p:spTgt spid="7"/>
+                                        </p:tgtEl>
+                                        <p:attrNameLst>
+                                          <p:attrName>ppt_w</p:attrName>
+                                        </p:attrNameLst>
+                                      </p:cBhvr>
+                                      <p:tavLst>
+                                        <p:tav tm="0">
+                                          <p:val>
+                                            <p:fltVal val="0"/>
+                                          </p:val>
+                                        </p:tav>
+                                        <p:tav tm="100000">
+                                          <p:val>
+                                            <p:strVal val="#ppt_w"/>
+                                          </p:val>
+                                        </p:tav>
+                                      </p:tavLst>
+                                    </p:anim>
+                                    <p:anim calcmode="lin" valueType="num">
+                                      <p:cBhvr>
+                                        <p:cTn id="10" dur="5000" fill="hold"/>
+                                        <p:tgtEl>
+                                          <p:spTgt spid="7"/>
+                                        </p:tgtEl>
+                                        <p:attrNameLst>
+                                          <p:attrName>ppt_h</p:attrName>
+                                        </p:attrNameLst>
+                                      </p:cBhvr>
+                                      <p:tavLst>
+                                        <p:tav tm="0">
+                                          <p:val>
+                                            <p:strVal val="#ppt_h"/>
+                                          </p:val>
+                                        </p:tav>
+                                        <p:tav tm="100000">
+                                          <p:val>
+                                            <p:strVal val="#ppt_h"/>
+                                          </p:val>
+                                        </p:tav>
+                                      </p:tavLst>
+                                    </p:anim>
+                                  </p:childTnLst>
+                                  <p:subTnLst>
+                                    <p:audio>
+                                      <p:cMediaNode>
+                                        <p:cTn display="0" masterRel="sameClick">
+                                          <p:stCondLst>
+                                            <p:cond evt="begin" delay="0">
+                                              <p:tn val="5"/>
+                                            </p:cond>
+                                          </p:stCondLst>
+                                          <p:endCondLst>
+                                            <p:cond evt="onStopAudio" delay="0">
+                                              <p:tgtEl>
+                                                <p:sldTgt/>
+                                              </p:tgtEl>
+                                            </p:cond>
+                                          </p:endCondLst>
+                                        </p:cTn>
+                                        <p:tgtEl>
+                                          <p:sndTgt r:embed="rId2" name="长光2_爱给网_aigei_com.wav"/>
+                                        </p:tgtEl>
+                                      </p:cMediaNode>
+                                    </p:audio>
+                                  </p:subTnLst>
+                                </p:cTn>
+                              </p:par>
+                            </p:childTnLst>
+                          </p:cTn>
+                        </p:par>
+                      </p:childTnLst>
+                    </p:cTn>
+                  </p:par>
+                  <p:par>
+                    <p:cTn id="11" fill="hold">
+                      <p:stCondLst>
+                        <p:cond delay="indefinite"/>
+                      </p:stCondLst>
+                      <p:childTnLst>
+                        <p:par>
+                          <p:cTn id="12" fill="hold">
+                            <p:stCondLst>
+                              <p:cond delay="0"/>
+                            </p:stCondLst>
+                            <p:childTnLst>
+                              <p:par>
+                                <p:cTn id="13" presetID="17" presetClass="entr" presetSubtype="8" fill="hold" nodeType="clickEffect">
+                                  <p:stCondLst>
+                                    <p:cond delay="0"/>
+                                  </p:stCondLst>
+                                  <p:childTnLst>
+                                    <p:set>
+                                      <p:cBhvr>
+                                        <p:cTn id="14" dur="1" fill="hold">
+                                          <p:stCondLst>
+                                            <p:cond delay="0"/>
+                                          </p:stCondLst>
+                                        </p:cTn>
+                                        <p:tgtEl>
+                                          <p:spTgt spid="17"/>
+                                        </p:tgtEl>
+                                        <p:attrNameLst>
+                                          <p:attrName>style.visibility</p:attrName>
+                                        </p:attrNameLst>
+                                      </p:cBhvr>
+                                      <p:to>
+                                        <p:strVal val="visible"/>
+                                      </p:to>
+                                    </p:set>
+                                    <p:anim calcmode="lin" valueType="num">
+                                      <p:cBhvr>
+                                        <p:cTn id="15" dur="5000" fill="hold"/>
+                                        <p:tgtEl>
+                                          <p:spTgt spid="17"/>
+                                        </p:tgtEl>
+                                        <p:attrNameLst>
+                                          <p:attrName>ppt_x</p:attrName>
+                                        </p:attrNameLst>
+                                      </p:cBhvr>
+                                      <p:tavLst>
+                                        <p:tav tm="0">
+                                          <p:val>
+                                            <p:strVal val="#ppt_x-#ppt_w/2"/>
+                                          </p:val>
+                                        </p:tav>
+                                        <p:tav tm="100000">
+                                          <p:val>
+                                            <p:strVal val="#ppt_x"/>
+                                          </p:val>
+                                        </p:tav>
+                                      </p:tavLst>
+                                    </p:anim>
+                                    <p:anim calcmode="lin" valueType="num">
+                                      <p:cBhvr>
+                                        <p:cTn id="16" dur="5000" fill="hold"/>
+                                        <p:tgtEl>
+                                          <p:spTgt spid="17"/>
+                                        </p:tgtEl>
+                                        <p:attrNameLst>
+                                          <p:attrName>ppt_y</p:attrName>
+                                        </p:attrNameLst>
+                                      </p:cBhvr>
+                                      <p:tavLst>
+                                        <p:tav tm="0">
+                                          <p:val>
+                                            <p:strVal val="#ppt_y"/>
+                                          </p:val>
+                                        </p:tav>
+                                        <p:tav tm="100000">
+                                          <p:val>
+                                            <p:strVal val="#ppt_y"/>
+                                          </p:val>
+                                        </p:tav>
+                                      </p:tavLst>
+                                    </p:anim>
+                                    <p:anim calcmode="lin" valueType="num">
+                                      <p:cBhvr>
+                                        <p:cTn id="17" dur="5000" fill="hold"/>
+                                        <p:tgtEl>
+                                          <p:spTgt spid="17"/>
+                                        </p:tgtEl>
+                                        <p:attrNameLst>
+                                          <p:attrName>ppt_w</p:attrName>
+                                        </p:attrNameLst>
+                                      </p:cBhvr>
+                                      <p:tavLst>
+                                        <p:tav tm="0">
+                                          <p:val>
+                                            <p:fltVal val="0"/>
+                                          </p:val>
+                                        </p:tav>
+                                        <p:tav tm="100000">
+                                          <p:val>
+                                            <p:strVal val="#ppt_w"/>
+                                          </p:val>
+                                        </p:tav>
+                                      </p:tavLst>
+                                    </p:anim>
+                                    <p:anim calcmode="lin" valueType="num">
+                                      <p:cBhvr>
+                                        <p:cTn id="18" dur="5000" fill="hold"/>
+                                        <p:tgtEl>
+                                          <p:spTgt spid="17"/>
+                                        </p:tgtEl>
+                                        <p:attrNameLst>
+                                          <p:attrName>ppt_h</p:attrName>
+                                        </p:attrNameLst>
+                                      </p:cBhvr>
+                                      <p:tavLst>
+                                        <p:tav tm="0">
+                                          <p:val>
+                                            <p:strVal val="#ppt_h"/>
+                                          </p:val>
+                                        </p:tav>
+                                        <p:tav tm="100000">
+                                          <p:val>
+                                            <p:strVal val="#ppt_h"/>
+                                          </p:val>
+                                        </p:tav>
+                                      </p:tavLst>
+                                    </p:anim>
+                                  </p:childTnLst>
+                                  <p:subTnLst>
+                                    <p:audio>
+                                      <p:cMediaNode>
+                                        <p:cTn display="0" masterRel="sameClick">
+                                          <p:stCondLst>
+                                            <p:cond evt="begin" delay="0">
+                                              <p:tn val="13"/>
+                                            </p:cond>
+                                          </p:stCondLst>
+                                          <p:endCondLst>
+                                            <p:cond evt="onStopAudio" delay="0">
+                                              <p:tgtEl>
+                                                <p:sldTgt/>
+                                              </p:tgtEl>
+                                            </p:cond>
+                                          </p:endCondLst>
+                                        </p:cTn>
+                                        <p:tgtEl>
+                                          <p:sndTgt r:embed="rId2" name="长光2_爱给网_aigei_com.wav"/>
+                                        </p:tgtEl>
+                                      </p:cMediaNode>
+                                    </p:audio>
+                                  </p:subTnLst>
+                                </p:cTn>
+                              </p:par>
+                            </p:childTnLst>
+                          </p:cTn>
+                        </p:par>
+                      </p:childTnLst>
+                    </p:cTn>
+                  </p:par>
+                  <p:par>
+                    <p:cTn id="19" fill="hold">
+                      <p:stCondLst>
+                        <p:cond delay="indefinite"/>
+                      </p:stCondLst>
+                      <p:childTnLst>
+                        <p:par>
+                          <p:cTn id="20" fill="hold">
+                            <p:stCondLst>
+                              <p:cond delay="0"/>
+                            </p:stCondLst>
+                            <p:childTnLst>
+                              <p:par>
+                                <p:cTn id="21" presetID="21" presetClass="exit" presetSubtype="1" fill="hold" grpId="0" nodeType="clickEffect">
+                                  <p:stCondLst>
+                                    <p:cond delay="0"/>
+                                  </p:stCondLst>
+                                  <p:childTnLst>
+                                    <p:animEffect transition="out" filter="wheel(1)">
+                                      <p:cBhvr>
+                                        <p:cTn id="22" dur="2000"/>
+                                        <p:tgtEl>
+                                          <p:spTgt spid="3"/>
+                                        </p:tgtEl>
+                                      </p:cBhvr>
+                                    </p:animEffect>
+                                    <p:set>
+                                      <p:cBhvr>
+                                        <p:cTn id="23" dur="1" fill="hold">
+                                          <p:stCondLst>
+                                            <p:cond delay="1999"/>
+                                          </p:stCondLst>
+                                        </p:cTn>
+                                        <p:tgtEl>
+                                          <p:spTgt spid="3"/>
+                                        </p:tgtEl>
+                                        <p:attrNameLst>
+                                          <p:attrName>style.visibility</p:attrName>
+                                        </p:attrNameLst>
+                                      </p:cBhvr>
+                                      <p:to>
+                                        <p:strVal val="hidden"/>
+                                      </p:to>
+                                    </p:set>
+                                  </p:childTnLst>
+                                </p:cTn>
+                              </p:par>
+                            </p:childTnLst>
+                          </p:cTn>
+                        </p:par>
+                      </p:childTnLst>
+                    </p:cTn>
+                  </p:par>
+                </p:childTnLst>
+              </p:cTn>
+              <p:prevCondLst>
+                <p:cond evt="onPrev" delay="0">
+                  <p:tgtEl>
+                    <p:sldTgt/>
+                  </p:tgtEl>
+                </p:cond>
+              </p:prevCondLst>
+              <p:nextCondLst>
+                <p:cond evt="onNext" delay="0">
+                  <p:tgtEl>
+                    <p:sldTgt/>
+                  </p:tgtEl>
+                </p:cond>
+              </p:nextCondLst>
+            </p:seq>
+          </p:childTnLst>
+        </p:cTn>
+      </p:par>
+    </p:tnLst>
+    <p:bldLst>
+      <p:bldP spid="3" grpId="0" animBg="1"/>
+    </p:bldLst>
+  </p:timing>
+</p:sld>
+</file>
+
+<file path=ppt/slides/slide14.xml><?xml version="1.0" encoding="utf-8"?>
+<p:sld xmlns:a="http://schemas.openxmlformats.org/drawingml/2006/main" xmlns:r="http://schemas.openxmlformats.org/officeDocument/2006/relationships" xmlns:p="http://schemas.openxmlformats.org/presentationml/2006/main">
+  <p:cSld>
+    <p:spTree>
+      <p:nvGrpSpPr>
+        <p:cNvPr id="1" name=""/>
+        <p:cNvGrpSpPr/>
+        <p:nvPr/>
+      </p:nvGrpSpPr>
+      <p:grpSpPr>
+        <a:xfrm>
+          <a:off x="0" y="0"/>
+          <a:ext cx="0" cy="0"/>
+          <a:chOff x="0" y="0"/>
+          <a:chExt cx="0" cy="0"/>
+        </a:xfrm>
+      </p:grpSpPr>
+      <p:pic>
+        <p:nvPicPr>
+          <p:cNvPr id="2" name="Picture 2" descr="ç¸å+³å¾ç">
+            <a:extLst>
+              <a:ext uri="{FF2B5EF4-FFF2-40B4-BE49-F238E27FC236}">
+                <a16:creationId xmlns:a16="http://schemas.microsoft.com/office/drawing/2014/main" id="{FDC92558-1DC8-4F69-BF45-BA2787CD1810}"/>
+              </a:ext>
+            </a:extLst>
+          </p:cNvPr>
+          <p:cNvPicPr>
+            <a:picLocks noChangeAspect="1" noChangeArrowheads="1"/>
+          </p:cNvPicPr>
+          <p:nvPr/>
+        </p:nvPicPr>
+        <p:blipFill>
+          <a:blip r:embed="rId2">
+            <a:extLst>
+              <a:ext uri="{BEBA8EAE-BF5A-486C-A8C5-ECC9F3942E4B}">
+                <a14:imgProps xmlns:a14="http://schemas.microsoft.com/office/drawing/2010/main">
+                  <a14:imgLayer r:embed="rId3">
+                    <a14:imgEffect>
+                      <a14:backgroundRemoval t="10000" b="90000" l="10000" r="90000"/>
+                    </a14:imgEffect>
+                  </a14:imgLayer>
+                </a14:imgProps>
+              </a:ext>
+              <a:ext uri="{28A0092B-C50C-407E-A947-70E740481C1C}">
+                <a14:useLocalDpi xmlns:a14="http://schemas.microsoft.com/office/drawing/2010/main" val="0"/>
+              </a:ext>
+            </a:extLst>
+          </a:blip>
+          <a:srcRect/>
+          <a:stretch>
+            <a:fillRect/>
+          </a:stretch>
+        </p:blipFill>
+        <p:spPr bwMode="auto">
+          <a:xfrm>
+            <a:off x="983432" y="-456"/>
+            <a:ext cx="3456378" cy="3456378"/>
+          </a:xfrm>
+          <a:prstGeom prst="rect">
+            <a:avLst/>
+          </a:prstGeom>
+          <a:noFill/>
+          <a:extLst>
+            <a:ext uri="{909E8E84-426E-40DD-AFC4-6F175D3DCCD1}">
+              <a14:hiddenFill xmlns:a14="http://schemas.microsoft.com/office/drawing/2010/main">
+                <a:solidFill>
+                  <a:srgbClr val="FFFFFF"/>
+                </a:solidFill>
+              </a14:hiddenFill>
+            </a:ext>
+          </a:extLst>
+        </p:spPr>
+      </p:pic>
+      <p:cxnSp>
+        <p:nvCxnSpPr>
+          <p:cNvPr id="4" name="直接连接符 3">
+            <a:extLst>
+              <a:ext uri="{FF2B5EF4-FFF2-40B4-BE49-F238E27FC236}">
+                <a16:creationId xmlns:a16="http://schemas.microsoft.com/office/drawing/2014/main" id="{1E59368B-C0B1-42F3-A99E-AA6DC555EFE8}"/>
+              </a:ext>
+            </a:extLst>
+          </p:cNvPr>
+          <p:cNvCxnSpPr>
+            <a:cxnSpLocks/>
+          </p:cNvCxnSpPr>
+          <p:nvPr/>
+        </p:nvCxnSpPr>
+        <p:spPr>
+          <a:xfrm>
+            <a:off x="3791744" y="2689053"/>
+            <a:ext cx="2609487" cy="0"/>
+          </a:xfrm>
+          <a:prstGeom prst="line">
+            <a:avLst/>
+          </a:prstGeom>
+        </p:spPr>
+        <p:style>
+          <a:lnRef idx="3">
+            <a:schemeClr val="dk1"/>
+          </a:lnRef>
+          <a:fillRef idx="0">
+            <a:schemeClr val="dk1"/>
+          </a:fillRef>
+          <a:effectRef idx="2">
+            <a:schemeClr val="dk1"/>
+          </a:effectRef>
+          <a:fontRef idx="minor">
+            <a:schemeClr val="tx1"/>
+          </a:fontRef>
+        </p:style>
+      </p:cxnSp>
+      <p:cxnSp>
+        <p:nvCxnSpPr>
+          <p:cNvPr id="5" name="直接连接符 4">
+            <a:extLst>
+              <a:ext uri="{FF2B5EF4-FFF2-40B4-BE49-F238E27FC236}">
+                <a16:creationId xmlns:a16="http://schemas.microsoft.com/office/drawing/2014/main" id="{53B87A8B-04FF-449F-A483-1E04FCA563A2}"/>
+              </a:ext>
+            </a:extLst>
+          </p:cNvPr>
+          <p:cNvCxnSpPr>
+            <a:cxnSpLocks/>
+          </p:cNvCxnSpPr>
+          <p:nvPr/>
+        </p:nvCxnSpPr>
+        <p:spPr>
+          <a:xfrm flipV="1">
+            <a:off x="3791744" y="1196752"/>
+            <a:ext cx="0" cy="1492301"/>
+          </a:xfrm>
+          <a:prstGeom prst="line">
+            <a:avLst/>
+          </a:prstGeom>
+        </p:spPr>
+        <p:style>
+          <a:lnRef idx="3">
+            <a:schemeClr val="accent1"/>
+          </a:lnRef>
+          <a:fillRef idx="0">
+            <a:schemeClr val="accent1"/>
+          </a:fillRef>
+          <a:effectRef idx="2">
+            <a:schemeClr val="accent1"/>
+          </a:effectRef>
+          <a:fontRef idx="minor">
+            <a:schemeClr val="tx1"/>
+          </a:fontRef>
+        </p:style>
+      </p:cxnSp>
+      <p:sp>
+        <p:nvSpPr>
+          <p:cNvPr id="6" name="标题 1">
+            <a:extLst>
+              <a:ext uri="{FF2B5EF4-FFF2-40B4-BE49-F238E27FC236}">
+                <a16:creationId xmlns:a16="http://schemas.microsoft.com/office/drawing/2014/main" id="{679E359E-BEE4-48FE-8A80-CCC18183EFC2}"/>
+              </a:ext>
+            </a:extLst>
+          </p:cNvPr>
+          <p:cNvSpPr txBox="1">
+            <a:spLocks/>
+          </p:cNvSpPr>
+          <p:nvPr/>
+        </p:nvSpPr>
+        <p:spPr>
+          <a:xfrm>
+            <a:off x="17065" y="114474"/>
+            <a:ext cx="1559496" cy="332656"/>
+          </a:xfrm>
+          <a:prstGeom prst="rect">
+            <a:avLst/>
+          </a:prstGeom>
+        </p:spPr>
+        <p:txBody>
+          <a:bodyPr vert="horz" lIns="91440" tIns="45720" rIns="91440" bIns="45720" rtlCol="0" anchor="b">
+            <a:noAutofit/>
+          </a:bodyPr>
+          <a:lstStyle>
+            <a:lvl1pPr algn="l" defTabSz="914400" rtl="0" eaLnBrk="1" latinLnBrk="0" hangingPunct="1">
+              <a:lnSpc>
+                <a:spcPct val="90000"/>
+              </a:lnSpc>
+              <a:spcBef>
+                <a:spcPct val="0"/>
+              </a:spcBef>
+              <a:buNone/>
+              <a:defRPr sz="3200" kern="1200">
+                <a:solidFill>
+                  <a:schemeClr val="tx1"/>
+                </a:solidFill>
+                <a:latin typeface="微软雅黑" panose="020B0503020204020204" pitchFamily="34" charset="-122"/>
+                <a:ea typeface="微软雅黑" panose="020B0503020204020204" pitchFamily="34" charset="-122"/>
+                <a:cs typeface="+mj-cs"/>
+              </a:defRPr>
+            </a:lvl1pPr>
+          </a:lstStyle>
+          <a:p>
+            <a:r>
+              <a:rPr lang="zh-CN" altLang="en-US" sz="2400" b="1" dirty="0">
+                <a:solidFill>
+                  <a:srgbClr val="553323"/>
+                </a:solidFill>
+              </a:rPr>
+              <a:t>各种角</a:t>
+            </a:r>
+            <a:endParaRPr lang="zh-cn" sz="2400" b="1" dirty="0">
+              <a:solidFill>
+                <a:srgbClr val="553323"/>
+              </a:solidFill>
+            </a:endParaRPr>
+          </a:p>
+        </p:txBody>
+      </p:sp>
+      <p:sp>
+        <p:nvSpPr>
+          <p:cNvPr id="7" name="矩形 6">
+            <a:extLst>
+              <a:ext uri="{FF2B5EF4-FFF2-40B4-BE49-F238E27FC236}">
+                <a16:creationId xmlns:a16="http://schemas.microsoft.com/office/drawing/2014/main" id="{F11ED615-D4F6-44DB-90C5-4FDCB1328EBF}"/>
+              </a:ext>
+            </a:extLst>
+          </p:cNvPr>
+          <p:cNvSpPr/>
+          <p:nvPr/>
+        </p:nvSpPr>
+        <p:spPr>
+          <a:xfrm>
+            <a:off x="7104113" y="1340768"/>
+            <a:ext cx="1576072" cy="923330"/>
+          </a:xfrm>
+          <a:prstGeom prst="rect">
+            <a:avLst/>
+          </a:prstGeom>
+          <a:noFill/>
+        </p:spPr>
+        <p:txBody>
+          <a:bodyPr wrap="none" lIns="91440" tIns="45720" rIns="91440" bIns="45720">
+            <a:spAutoFit/>
+          </a:bodyPr>
+          <a:lstStyle/>
+          <a:p>
+            <a:pPr algn="ctr"/>
+            <a:r>
+              <a:rPr lang="zh-CN" altLang="en-US" sz="5400" b="1" dirty="0">
+                <a:ln w="9525">
+                  <a:solidFill>
+                    <a:schemeClr val="bg1"/>
+                  </a:solidFill>
+                  <a:prstDash val="solid"/>
+                </a:ln>
+                <a:solidFill>
+                  <a:schemeClr val="accent5"/>
+                </a:solidFill>
+                <a:effectLst>
+                  <a:outerShdw blurRad="12700" dist="38100" dir="2700000" algn="tl" rotWithShape="0">
+                    <a:schemeClr val="accent5">
+                      <a:lumMod val="60000"/>
+                      <a:lumOff val="40000"/>
+                    </a:schemeClr>
+                  </a:outerShdw>
+                </a:effectLst>
+              </a:rPr>
+              <a:t>直角</a:t>
+            </a:r>
+          </a:p>
+        </p:txBody>
+      </p:sp>
+      <p:sp>
+        <p:nvSpPr>
+          <p:cNvPr id="8" name="文本框 7">
+            <a:extLst>
+              <a:ext uri="{FF2B5EF4-FFF2-40B4-BE49-F238E27FC236}">
+                <a16:creationId xmlns:a16="http://schemas.microsoft.com/office/drawing/2014/main" id="{164F5527-CCE6-4D01-9793-79EB5058AD93}"/>
+              </a:ext>
+            </a:extLst>
+          </p:cNvPr>
+          <p:cNvSpPr txBox="1"/>
+          <p:nvPr/>
+        </p:nvSpPr>
+        <p:spPr>
+          <a:xfrm>
+            <a:off x="7308767" y="1081963"/>
+            <a:ext cx="1371418" cy="400110"/>
+          </a:xfrm>
+          <a:prstGeom prst="rect">
+            <a:avLst/>
+          </a:prstGeom>
+          <a:noFill/>
+        </p:spPr>
+        <p:txBody>
+          <a:bodyPr wrap="square" rtlCol="0">
+            <a:spAutoFit/>
+          </a:bodyPr>
+          <a:lstStyle/>
+          <a:p>
+            <a:r>
+              <a:rPr lang="en-US" altLang="zh-CN" sz="2000" dirty="0" err="1"/>
+              <a:t>zhí</a:t>
+            </a:r>
+            <a:r>
+              <a:rPr lang="en-US" altLang="zh-CN" sz="2000" dirty="0"/>
+              <a:t>   </a:t>
+            </a:r>
+            <a:r>
+              <a:rPr lang="en-US" altLang="zh-CN" sz="2000" dirty="0" err="1"/>
+              <a:t>jiǎo</a:t>
+            </a:r>
+            <a:endParaRPr lang="zh-CN" altLang="en-US" sz="2000" dirty="0"/>
+          </a:p>
+        </p:txBody>
+      </p:sp>
+      <p:cxnSp>
+        <p:nvCxnSpPr>
+          <p:cNvPr id="10" name="直接连接符 9">
+            <a:extLst>
+              <a:ext uri="{FF2B5EF4-FFF2-40B4-BE49-F238E27FC236}">
+                <a16:creationId xmlns:a16="http://schemas.microsoft.com/office/drawing/2014/main" id="{79AC0719-48CC-4B4D-B32D-0D3974A4814D}"/>
+              </a:ext>
+            </a:extLst>
+          </p:cNvPr>
+          <p:cNvCxnSpPr/>
+          <p:nvPr/>
+        </p:nvCxnSpPr>
+        <p:spPr>
+          <a:xfrm>
+            <a:off x="3791744" y="2348880"/>
+            <a:ext cx="360040" cy="0"/>
+          </a:xfrm>
+          <a:prstGeom prst="line">
+            <a:avLst/>
+          </a:prstGeom>
+        </p:spPr>
+        <p:style>
+          <a:lnRef idx="1">
+            <a:schemeClr val="accent2"/>
+          </a:lnRef>
+          <a:fillRef idx="0">
+            <a:schemeClr val="accent2"/>
+          </a:fillRef>
+          <a:effectRef idx="0">
+            <a:schemeClr val="accent2"/>
+          </a:effectRef>
+          <a:fontRef idx="minor">
+            <a:schemeClr val="tx1"/>
+          </a:fontRef>
+        </p:style>
+      </p:cxnSp>
+      <p:cxnSp>
+        <p:nvCxnSpPr>
+          <p:cNvPr id="11" name="直接连接符 10">
+            <a:extLst>
+              <a:ext uri="{FF2B5EF4-FFF2-40B4-BE49-F238E27FC236}">
+                <a16:creationId xmlns:a16="http://schemas.microsoft.com/office/drawing/2014/main" id="{1B477000-7754-4D96-BF96-C805CB3CBFCF}"/>
+              </a:ext>
+            </a:extLst>
+          </p:cNvPr>
+          <p:cNvCxnSpPr>
+            <a:cxnSpLocks/>
+          </p:cNvCxnSpPr>
+          <p:nvPr/>
+        </p:nvCxnSpPr>
+        <p:spPr>
+          <a:xfrm>
+            <a:off x="4151784" y="2348880"/>
+            <a:ext cx="0" cy="340173"/>
+          </a:xfrm>
+          <a:prstGeom prst="line">
+            <a:avLst/>
+          </a:prstGeom>
+        </p:spPr>
+        <p:style>
+          <a:lnRef idx="1">
+            <a:schemeClr val="accent2"/>
+          </a:lnRef>
+          <a:fillRef idx="0">
+            <a:schemeClr val="accent2"/>
+          </a:fillRef>
+          <a:effectRef idx="0">
+            <a:schemeClr val="accent2"/>
+          </a:effectRef>
+          <a:fontRef idx="minor">
+            <a:schemeClr val="tx1"/>
+          </a:fontRef>
+        </p:style>
+      </p:cxnSp>
+      <p:cxnSp>
+        <p:nvCxnSpPr>
+          <p:cNvPr id="14" name="直接连接符 13">
+            <a:extLst>
+              <a:ext uri="{FF2B5EF4-FFF2-40B4-BE49-F238E27FC236}">
+                <a16:creationId xmlns:a16="http://schemas.microsoft.com/office/drawing/2014/main" id="{D8CEB40C-FBC9-42AB-8B5E-768CBFEE3D38}"/>
+              </a:ext>
+            </a:extLst>
+          </p:cNvPr>
+          <p:cNvCxnSpPr>
+            <a:cxnSpLocks/>
+          </p:cNvCxnSpPr>
+          <p:nvPr/>
+        </p:nvCxnSpPr>
+        <p:spPr>
+          <a:xfrm>
+            <a:off x="1816608" y="4925949"/>
+            <a:ext cx="2609487" cy="0"/>
+          </a:xfrm>
+          <a:prstGeom prst="line">
+            <a:avLst/>
+          </a:prstGeom>
+        </p:spPr>
+        <p:style>
+          <a:lnRef idx="3">
+            <a:schemeClr val="dk1"/>
+          </a:lnRef>
+          <a:fillRef idx="0">
+            <a:schemeClr val="dk1"/>
+          </a:fillRef>
+          <a:effectRef idx="2">
+            <a:schemeClr val="dk1"/>
+          </a:effectRef>
+          <a:fontRef idx="minor">
+            <a:schemeClr val="tx1"/>
+          </a:fontRef>
+        </p:style>
+      </p:cxnSp>
+      <p:grpSp>
+        <p:nvGrpSpPr>
+          <p:cNvPr id="24" name="组合 23">
+            <a:extLst>
+              <a:ext uri="{FF2B5EF4-FFF2-40B4-BE49-F238E27FC236}">
+                <a16:creationId xmlns:a16="http://schemas.microsoft.com/office/drawing/2014/main" id="{1D3C3145-EFBF-4091-B1B7-422E64D6654D}"/>
+              </a:ext>
+            </a:extLst>
+          </p:cNvPr>
+          <p:cNvGrpSpPr/>
+          <p:nvPr/>
+        </p:nvGrpSpPr>
+        <p:grpSpPr>
+          <a:xfrm>
+            <a:off x="1834432" y="3567237"/>
+            <a:ext cx="0" cy="2672680"/>
+            <a:chOff x="3791744" y="3140969"/>
+            <a:chExt cx="0" cy="2672680"/>
+          </a:xfrm>
+        </p:grpSpPr>
+        <p:cxnSp>
+          <p:nvCxnSpPr>
+            <p:cNvPr id="19" name="直接连接符 18">
+              <a:extLst>
+                <a:ext uri="{FF2B5EF4-FFF2-40B4-BE49-F238E27FC236}">
+                  <a16:creationId xmlns:a16="http://schemas.microsoft.com/office/drawing/2014/main" id="{C821A7CF-2917-44E2-BDB1-EF0119F61647}"/>
+                </a:ext>
+              </a:extLst>
+            </p:cNvPr>
+            <p:cNvCxnSpPr>
+              <a:cxnSpLocks/>
+            </p:cNvCxnSpPr>
+            <p:nvPr/>
+          </p:nvCxnSpPr>
+          <p:spPr>
+            <a:xfrm flipV="1">
+              <a:off x="3791744" y="3140969"/>
+              <a:ext cx="0" cy="2520279"/>
+            </a:xfrm>
+            <a:prstGeom prst="line">
+              <a:avLst/>
+            </a:prstGeom>
+          </p:spPr>
+          <p:style>
+            <a:lnRef idx="3">
+              <a:schemeClr val="accent1"/>
+            </a:lnRef>
+            <a:fillRef idx="0">
+              <a:schemeClr val="accent1"/>
+            </a:fillRef>
+            <a:effectRef idx="2">
+              <a:schemeClr val="accent1"/>
+            </a:effectRef>
+            <a:fontRef idx="minor">
+              <a:schemeClr val="tx1"/>
+            </a:fontRef>
+          </p:style>
+        </p:cxnSp>
+        <p:cxnSp>
+          <p:nvCxnSpPr>
+            <p:cNvPr id="22" name="直接连接符 21">
+              <a:extLst>
+                <a:ext uri="{FF2B5EF4-FFF2-40B4-BE49-F238E27FC236}">
+                  <a16:creationId xmlns:a16="http://schemas.microsoft.com/office/drawing/2014/main" id="{5FA7E5FC-258E-4EDE-AB87-978FD05F85AB}"/>
+                </a:ext>
+              </a:extLst>
+            </p:cNvPr>
+            <p:cNvCxnSpPr>
+              <a:cxnSpLocks/>
+            </p:cNvCxnSpPr>
+            <p:nvPr/>
+          </p:nvCxnSpPr>
+          <p:spPr>
+            <a:xfrm flipV="1">
+              <a:off x="3791744" y="4509120"/>
+              <a:ext cx="0" cy="1304529"/>
+            </a:xfrm>
+            <a:prstGeom prst="line">
+              <a:avLst/>
+            </a:prstGeom>
+            <a:ln>
+              <a:solidFill>
+                <a:srgbClr val="F0FCD9"/>
+              </a:solidFill>
+            </a:ln>
+          </p:spPr>
+          <p:style>
+            <a:lnRef idx="3">
+              <a:schemeClr val="accent1"/>
+            </a:lnRef>
+            <a:fillRef idx="0">
+              <a:schemeClr val="accent1"/>
+            </a:fillRef>
+            <a:effectRef idx="2">
+              <a:schemeClr val="accent1"/>
+            </a:effectRef>
+            <a:fontRef idx="minor">
+              <a:schemeClr val="tx1"/>
+            </a:fontRef>
+          </p:style>
+        </p:cxnSp>
+      </p:grpSp>
+      <p:cxnSp>
+        <p:nvCxnSpPr>
+          <p:cNvPr id="25" name="直接连接符 24">
+            <a:extLst>
+              <a:ext uri="{FF2B5EF4-FFF2-40B4-BE49-F238E27FC236}">
+                <a16:creationId xmlns:a16="http://schemas.microsoft.com/office/drawing/2014/main" id="{7540F627-6AD6-4489-8FD2-23ABA5B2D861}"/>
+              </a:ext>
+            </a:extLst>
+          </p:cNvPr>
+          <p:cNvCxnSpPr>
+            <a:cxnSpLocks/>
+          </p:cNvCxnSpPr>
+          <p:nvPr/>
+        </p:nvCxnSpPr>
+        <p:spPr>
+          <a:xfrm flipV="1">
+            <a:off x="1830154" y="3431599"/>
+            <a:ext cx="0" cy="1492301"/>
+          </a:xfrm>
+          <a:prstGeom prst="line">
+            <a:avLst/>
+          </a:prstGeom>
+          <a:ln>
+            <a:prstDash val="dash"/>
+          </a:ln>
+        </p:spPr>
+        <p:style>
+          <a:lnRef idx="3">
+            <a:schemeClr val="accent1"/>
+          </a:lnRef>
+          <a:fillRef idx="0">
+            <a:schemeClr val="accent1"/>
+          </a:fillRef>
+          <a:effectRef idx="2">
+            <a:schemeClr val="accent1"/>
+          </a:effectRef>
+          <a:fontRef idx="minor">
+            <a:schemeClr val="tx1"/>
+          </a:fontRef>
+        </p:style>
+      </p:cxnSp>
+      <p:sp>
+        <p:nvSpPr>
+          <p:cNvPr id="36" name="不完整圆 35">
+            <a:extLst>
+              <a:ext uri="{FF2B5EF4-FFF2-40B4-BE49-F238E27FC236}">
+                <a16:creationId xmlns:a16="http://schemas.microsoft.com/office/drawing/2014/main" id="{9E5AA437-0000-4100-B512-933AE51B6E94}"/>
+              </a:ext>
+            </a:extLst>
+          </p:cNvPr>
+          <p:cNvSpPr/>
+          <p:nvPr/>
+        </p:nvSpPr>
+        <p:spPr>
+          <a:xfrm rot="5400000">
+            <a:off x="552791" y="3510553"/>
+            <a:ext cx="2554724" cy="2845571"/>
+          </a:xfrm>
+          <a:prstGeom prst="pie">
+            <a:avLst>
+              <a:gd name="adj1" fmla="val 10817765"/>
+              <a:gd name="adj2" fmla="val 16206471"/>
+            </a:avLst>
+          </a:prstGeom>
+          <a:solidFill>
+            <a:schemeClr val="accent1">
+              <a:alpha val="50000"/>
+            </a:schemeClr>
+          </a:solidFill>
+          <a:ln>
+            <a:noFill/>
+          </a:ln>
+        </p:spPr>
+        <p:style>
+          <a:lnRef idx="0">
+            <a:scrgbClr r="0" g="0" b="0"/>
+          </a:lnRef>
+          <a:fillRef idx="0">
+            <a:scrgbClr r="0" g="0" b="0"/>
+          </a:fillRef>
+          <a:effectRef idx="0">
+            <a:scrgbClr r="0" g="0" b="0"/>
+          </a:effectRef>
+          <a:fontRef idx="minor">
+            <a:schemeClr val="lt1"/>
+          </a:fontRef>
+        </p:style>
+        <p:txBody>
+          <a:bodyPr rtlCol="0" anchor="ctr"/>
+          <a:lstStyle/>
+          <a:p>
+            <a:pPr algn="ctr"/>
+            <a:endParaRPr lang="zh-CN" altLang="en-US">
+              <a:solidFill>
+                <a:schemeClr val="tx1"/>
+              </a:solidFill>
+            </a:endParaRPr>
+          </a:p>
+        </p:txBody>
+      </p:sp>
+      <p:sp>
+        <p:nvSpPr>
+          <p:cNvPr id="37" name="不完整圆 36">
+            <a:extLst>
+              <a:ext uri="{FF2B5EF4-FFF2-40B4-BE49-F238E27FC236}">
+                <a16:creationId xmlns:a16="http://schemas.microsoft.com/office/drawing/2014/main" id="{FF6614DF-1A46-45B8-883D-3518EA00F5A7}"/>
+              </a:ext>
+            </a:extLst>
+          </p:cNvPr>
+          <p:cNvSpPr/>
+          <p:nvPr/>
+        </p:nvSpPr>
+        <p:spPr>
+          <a:xfrm rot="5400000">
+            <a:off x="6533300" y="1130652"/>
+            <a:ext cx="2659124" cy="2961857"/>
+          </a:xfrm>
+          <a:prstGeom prst="pie">
+            <a:avLst>
+              <a:gd name="adj1" fmla="val 15265013"/>
+              <a:gd name="adj2" fmla="val 15265503"/>
+            </a:avLst>
+          </a:prstGeom>
+          <a:solidFill>
+            <a:schemeClr val="accent4"/>
+          </a:solidFill>
+          <a:ln>
+            <a:noFill/>
+          </a:ln>
+        </p:spPr>
+        <p:style>
+          <a:lnRef idx="0">
+            <a:scrgbClr r="0" g="0" b="0"/>
+          </a:lnRef>
+          <a:fillRef idx="0">
+            <a:scrgbClr r="0" g="0" b="0"/>
+          </a:fillRef>
+          <a:effectRef idx="0">
+            <a:scrgbClr r="0" g="0" b="0"/>
+          </a:effectRef>
+          <a:fontRef idx="minor">
+            <a:schemeClr val="lt1"/>
+          </a:fontRef>
+        </p:style>
+        <p:txBody>
+          <a:bodyPr rtlCol="0" anchor="ctr"/>
+          <a:lstStyle/>
+          <a:p>
+            <a:pPr algn="ctr"/>
+            <a:endParaRPr lang="zh-CN" altLang="en-US">
+              <a:solidFill>
+                <a:schemeClr val="tx1"/>
+              </a:solidFill>
+            </a:endParaRPr>
+          </a:p>
+        </p:txBody>
+      </p:sp>
+      <p:cxnSp>
+        <p:nvCxnSpPr>
+          <p:cNvPr id="40" name="直接连接符 39">
+            <a:extLst>
+              <a:ext uri="{FF2B5EF4-FFF2-40B4-BE49-F238E27FC236}">
+                <a16:creationId xmlns:a16="http://schemas.microsoft.com/office/drawing/2014/main" id="{4DC93461-50FD-47F1-AA26-1E8A45862A3C}"/>
+              </a:ext>
+            </a:extLst>
+          </p:cNvPr>
+          <p:cNvCxnSpPr>
+            <a:cxnSpLocks/>
+          </p:cNvCxnSpPr>
+          <p:nvPr/>
+        </p:nvCxnSpPr>
+        <p:spPr>
+          <a:xfrm>
+            <a:off x="1818069" y="4923900"/>
+            <a:ext cx="1728078" cy="0"/>
+          </a:xfrm>
+          <a:prstGeom prst="line">
+            <a:avLst/>
+          </a:prstGeom>
+        </p:spPr>
+        <p:style>
+          <a:lnRef idx="3">
+            <a:schemeClr val="accent3"/>
+          </a:lnRef>
+          <a:fillRef idx="0">
+            <a:schemeClr val="accent3"/>
+          </a:fillRef>
+          <a:effectRef idx="2">
+            <a:schemeClr val="accent3"/>
+          </a:effectRef>
+          <a:fontRef idx="minor">
+            <a:schemeClr val="tx1"/>
+          </a:fontRef>
+        </p:style>
+      </p:cxnSp>
+      <p:cxnSp>
+        <p:nvCxnSpPr>
+          <p:cNvPr id="41" name="直接连接符 40">
+            <a:extLst>
+              <a:ext uri="{FF2B5EF4-FFF2-40B4-BE49-F238E27FC236}">
+                <a16:creationId xmlns:a16="http://schemas.microsoft.com/office/drawing/2014/main" id="{80534DDB-2276-474C-AD09-57DE7E51B4F1}"/>
+              </a:ext>
+            </a:extLst>
+          </p:cNvPr>
+          <p:cNvCxnSpPr>
+            <a:cxnSpLocks/>
+          </p:cNvCxnSpPr>
+          <p:nvPr/>
+        </p:nvCxnSpPr>
+        <p:spPr>
+          <a:xfrm flipV="1">
+            <a:off x="1818069" y="4131812"/>
+            <a:ext cx="1507255" cy="792088"/>
+          </a:xfrm>
+          <a:prstGeom prst="line">
+            <a:avLst/>
+          </a:prstGeom>
+        </p:spPr>
+        <p:style>
+          <a:lnRef idx="3">
+            <a:schemeClr val="accent3"/>
+          </a:lnRef>
+          <a:fillRef idx="0">
+            <a:schemeClr val="accent3"/>
+          </a:fillRef>
+          <a:effectRef idx="2">
+            <a:schemeClr val="accent3"/>
+          </a:effectRef>
+          <a:fontRef idx="minor">
+            <a:schemeClr val="tx1"/>
+          </a:fontRef>
+        </p:style>
+      </p:cxnSp>
+      <p:sp>
+        <p:nvSpPr>
+          <p:cNvPr id="42" name="矩形 41">
+            <a:extLst>
+              <a:ext uri="{FF2B5EF4-FFF2-40B4-BE49-F238E27FC236}">
+                <a16:creationId xmlns:a16="http://schemas.microsoft.com/office/drawing/2014/main" id="{2EED1387-11D6-4562-B947-760F4CCE0B35}"/>
+              </a:ext>
+            </a:extLst>
+          </p:cNvPr>
+          <p:cNvSpPr/>
+          <p:nvPr/>
+        </p:nvSpPr>
+        <p:spPr>
+          <a:xfrm>
+            <a:off x="3891676" y="3868424"/>
+            <a:ext cx="1576072" cy="923330"/>
+          </a:xfrm>
+          <a:prstGeom prst="rect">
+            <a:avLst/>
+          </a:prstGeom>
+          <a:noFill/>
+        </p:spPr>
+        <p:txBody>
+          <a:bodyPr wrap="none" lIns="91440" tIns="45720" rIns="91440" bIns="45720">
+            <a:spAutoFit/>
+          </a:bodyPr>
+          <a:lstStyle/>
+          <a:p>
+            <a:pPr algn="ctr"/>
+            <a:r>
+              <a:rPr lang="zh-CN" altLang="en-US" sz="5400" b="1" dirty="0">
+                <a:ln w="9525">
+                  <a:solidFill>
+                    <a:schemeClr val="bg1"/>
+                  </a:solidFill>
+                  <a:prstDash val="solid"/>
+                </a:ln>
+                <a:solidFill>
+                  <a:schemeClr val="accent5"/>
+                </a:solidFill>
+                <a:effectLst>
+                  <a:outerShdw blurRad="12700" dist="38100" dir="2700000" algn="tl" rotWithShape="0">
+                    <a:schemeClr val="accent5">
+                      <a:lumMod val="60000"/>
+                      <a:lumOff val="40000"/>
+                    </a:schemeClr>
+                  </a:outerShdw>
+                </a:effectLst>
+              </a:rPr>
+              <a:t>锐角</a:t>
+            </a:r>
+          </a:p>
+        </p:txBody>
+      </p:sp>
+      <p:sp>
+        <p:nvSpPr>
+          <p:cNvPr id="43" name="文本框 42">
+            <a:extLst>
+              <a:ext uri="{FF2B5EF4-FFF2-40B4-BE49-F238E27FC236}">
+                <a16:creationId xmlns:a16="http://schemas.microsoft.com/office/drawing/2014/main" id="{EBA8D837-E45A-4F05-8137-4802B629379D}"/>
+              </a:ext>
+            </a:extLst>
+          </p:cNvPr>
+          <p:cNvSpPr txBox="1"/>
+          <p:nvPr/>
+        </p:nvSpPr>
+        <p:spPr>
+          <a:xfrm>
+            <a:off x="4151784" y="3588068"/>
+            <a:ext cx="1371418" cy="400110"/>
+          </a:xfrm>
+          <a:prstGeom prst="rect">
+            <a:avLst/>
+          </a:prstGeom>
+          <a:noFill/>
+        </p:spPr>
+        <p:txBody>
+          <a:bodyPr wrap="square" rtlCol="0">
+            <a:spAutoFit/>
+          </a:bodyPr>
+          <a:lstStyle/>
+          <a:p>
+            <a:r>
+              <a:rPr lang="en-US" altLang="zh-CN" sz="2000" dirty="0" err="1"/>
+              <a:t>ruì</a:t>
+            </a:r>
+            <a:r>
+              <a:rPr lang="en-US" altLang="zh-CN" sz="2000" dirty="0"/>
+              <a:t>   </a:t>
+            </a:r>
+            <a:r>
+              <a:rPr lang="en-US" altLang="zh-CN" sz="2000" dirty="0" err="1"/>
+              <a:t>jiǎo</a:t>
+            </a:r>
+            <a:endParaRPr lang="zh-CN" altLang="en-US" sz="2000" dirty="0"/>
+          </a:p>
+        </p:txBody>
+      </p:sp>
+      <p:cxnSp>
+        <p:nvCxnSpPr>
+          <p:cNvPr id="44" name="直接连接符 43">
+            <a:extLst>
+              <a:ext uri="{FF2B5EF4-FFF2-40B4-BE49-F238E27FC236}">
+                <a16:creationId xmlns:a16="http://schemas.microsoft.com/office/drawing/2014/main" id="{A556AB6D-7053-4675-A8CE-667784C09E18}"/>
+              </a:ext>
+            </a:extLst>
+          </p:cNvPr>
+          <p:cNvCxnSpPr>
+            <a:cxnSpLocks/>
+          </p:cNvCxnSpPr>
+          <p:nvPr/>
+        </p:nvCxnSpPr>
+        <p:spPr>
+          <a:xfrm>
+            <a:off x="6456040" y="4889982"/>
+            <a:ext cx="4481695" cy="0"/>
+          </a:xfrm>
+          <a:prstGeom prst="line">
+            <a:avLst/>
+          </a:prstGeom>
+        </p:spPr>
+        <p:style>
+          <a:lnRef idx="3">
+            <a:schemeClr val="dk1"/>
+          </a:lnRef>
+          <a:fillRef idx="0">
+            <a:schemeClr val="dk1"/>
+          </a:fillRef>
+          <a:effectRef idx="2">
+            <a:schemeClr val="dk1"/>
+          </a:effectRef>
+          <a:fontRef idx="minor">
+            <a:schemeClr val="tx1"/>
+          </a:fontRef>
+        </p:style>
+      </p:cxnSp>
+      <p:cxnSp>
+        <p:nvCxnSpPr>
+          <p:cNvPr id="45" name="直接连接符 44">
+            <a:extLst>
+              <a:ext uri="{FF2B5EF4-FFF2-40B4-BE49-F238E27FC236}">
+                <a16:creationId xmlns:a16="http://schemas.microsoft.com/office/drawing/2014/main" id="{38C75A65-5B78-4D20-8D0C-09266BCDD31D}"/>
+              </a:ext>
+            </a:extLst>
+          </p:cNvPr>
+          <p:cNvCxnSpPr>
+            <a:cxnSpLocks/>
+          </p:cNvCxnSpPr>
+          <p:nvPr/>
+        </p:nvCxnSpPr>
+        <p:spPr>
+          <a:xfrm flipV="1">
+            <a:off x="8341794" y="3395632"/>
+            <a:ext cx="0" cy="1492301"/>
+          </a:xfrm>
+          <a:prstGeom prst="line">
+            <a:avLst/>
+          </a:prstGeom>
+          <a:ln>
+            <a:prstDash val="dash"/>
+          </a:ln>
+        </p:spPr>
+        <p:style>
+          <a:lnRef idx="3">
+            <a:schemeClr val="accent1"/>
+          </a:lnRef>
+          <a:fillRef idx="0">
+            <a:schemeClr val="accent1"/>
+          </a:fillRef>
+          <a:effectRef idx="2">
+            <a:schemeClr val="accent1"/>
+          </a:effectRef>
+          <a:fontRef idx="minor">
+            <a:schemeClr val="tx1"/>
+          </a:fontRef>
+        </p:style>
+      </p:cxnSp>
+      <p:cxnSp>
+        <p:nvCxnSpPr>
+          <p:cNvPr id="46" name="直接连接符 45">
+            <a:extLst>
+              <a:ext uri="{FF2B5EF4-FFF2-40B4-BE49-F238E27FC236}">
+                <a16:creationId xmlns:a16="http://schemas.microsoft.com/office/drawing/2014/main" id="{1E89FA33-9EC5-4FC1-8BAA-1111C24305C3}"/>
+              </a:ext>
+            </a:extLst>
+          </p:cNvPr>
+          <p:cNvCxnSpPr>
+            <a:cxnSpLocks/>
+          </p:cNvCxnSpPr>
+          <p:nvPr/>
+        </p:nvCxnSpPr>
+        <p:spPr>
+          <a:xfrm>
+            <a:off x="8329709" y="4887933"/>
+            <a:ext cx="1728078" cy="0"/>
+          </a:xfrm>
+          <a:prstGeom prst="line">
+            <a:avLst/>
+          </a:prstGeom>
+        </p:spPr>
+        <p:style>
+          <a:lnRef idx="3">
+            <a:schemeClr val="accent3"/>
+          </a:lnRef>
+          <a:fillRef idx="0">
+            <a:schemeClr val="accent3"/>
+          </a:fillRef>
+          <a:effectRef idx="2">
+            <a:schemeClr val="accent3"/>
+          </a:effectRef>
+          <a:fontRef idx="minor">
+            <a:schemeClr val="tx1"/>
+          </a:fontRef>
+        </p:style>
+      </p:cxnSp>
+      <p:cxnSp>
+        <p:nvCxnSpPr>
+          <p:cNvPr id="47" name="直接连接符 46">
+            <a:extLst>
+              <a:ext uri="{FF2B5EF4-FFF2-40B4-BE49-F238E27FC236}">
+                <a16:creationId xmlns:a16="http://schemas.microsoft.com/office/drawing/2014/main" id="{345E84E9-6E62-4295-BF35-C4B34AC4D6B4}"/>
+              </a:ext>
+            </a:extLst>
+          </p:cNvPr>
+          <p:cNvCxnSpPr>
+            <a:cxnSpLocks/>
+          </p:cNvCxnSpPr>
+          <p:nvPr/>
+        </p:nvCxnSpPr>
+        <p:spPr>
+          <a:xfrm flipH="1" flipV="1">
+            <a:off x="6865808" y="3868424"/>
+            <a:ext cx="1463901" cy="1019509"/>
+          </a:xfrm>
+          <a:prstGeom prst="line">
+            <a:avLst/>
+          </a:prstGeom>
+        </p:spPr>
+        <p:style>
+          <a:lnRef idx="3">
+            <a:schemeClr val="accent3"/>
+          </a:lnRef>
+          <a:fillRef idx="0">
+            <a:schemeClr val="accent3"/>
+          </a:fillRef>
+          <a:effectRef idx="2">
+            <a:schemeClr val="accent3"/>
+          </a:effectRef>
+          <a:fontRef idx="minor">
+            <a:schemeClr val="tx1"/>
+          </a:fontRef>
+        </p:style>
+      </p:cxnSp>
+      <p:sp>
+        <p:nvSpPr>
+          <p:cNvPr id="48" name="矩形 47">
+            <a:extLst>
+              <a:ext uri="{FF2B5EF4-FFF2-40B4-BE49-F238E27FC236}">
+                <a16:creationId xmlns:a16="http://schemas.microsoft.com/office/drawing/2014/main" id="{F88E8291-91C1-4F46-91BB-3A731DE745BF}"/>
+              </a:ext>
+            </a:extLst>
+          </p:cNvPr>
+          <p:cNvSpPr/>
+          <p:nvPr/>
+        </p:nvSpPr>
+        <p:spPr>
+          <a:xfrm>
+            <a:off x="10403317" y="3832457"/>
+            <a:ext cx="1576072" cy="923330"/>
+          </a:xfrm>
+          <a:prstGeom prst="rect">
+            <a:avLst/>
+          </a:prstGeom>
+          <a:noFill/>
+        </p:spPr>
+        <p:txBody>
+          <a:bodyPr wrap="none" lIns="91440" tIns="45720" rIns="91440" bIns="45720">
+            <a:spAutoFit/>
+          </a:bodyPr>
+          <a:lstStyle/>
+          <a:p>
+            <a:pPr algn="ctr"/>
+            <a:r>
+              <a:rPr lang="zh-CN" altLang="en-US" sz="5400" b="1" dirty="0">
+                <a:ln w="9525">
+                  <a:solidFill>
+                    <a:schemeClr val="bg1"/>
+                  </a:solidFill>
+                  <a:prstDash val="solid"/>
+                </a:ln>
+                <a:solidFill>
+                  <a:schemeClr val="accent5"/>
+                </a:solidFill>
+                <a:effectLst>
+                  <a:outerShdw blurRad="12700" dist="38100" dir="2700000" algn="tl" rotWithShape="0">
+                    <a:schemeClr val="accent5">
+                      <a:lumMod val="60000"/>
+                      <a:lumOff val="40000"/>
+                    </a:schemeClr>
+                  </a:outerShdw>
+                </a:effectLst>
+              </a:rPr>
+              <a:t>钝角</a:t>
+            </a:r>
+          </a:p>
+        </p:txBody>
+      </p:sp>
+      <p:sp>
+        <p:nvSpPr>
+          <p:cNvPr id="49" name="文本框 48">
+            <a:extLst>
+              <a:ext uri="{FF2B5EF4-FFF2-40B4-BE49-F238E27FC236}">
+                <a16:creationId xmlns:a16="http://schemas.microsoft.com/office/drawing/2014/main" id="{7C59DE0F-0628-49EC-A91E-C88239125975}"/>
+              </a:ext>
+            </a:extLst>
+          </p:cNvPr>
+          <p:cNvSpPr txBox="1"/>
+          <p:nvPr/>
+        </p:nvSpPr>
+        <p:spPr>
+          <a:xfrm>
+            <a:off x="10663424" y="3552101"/>
+            <a:ext cx="1371418" cy="400110"/>
+          </a:xfrm>
+          <a:prstGeom prst="rect">
+            <a:avLst/>
+          </a:prstGeom>
+          <a:noFill/>
+        </p:spPr>
+        <p:txBody>
+          <a:bodyPr wrap="square" rtlCol="0">
+            <a:spAutoFit/>
+          </a:bodyPr>
+          <a:lstStyle/>
+          <a:p>
+            <a:r>
+              <a:rPr lang="en-US" altLang="zh-CN" sz="2000" dirty="0" err="1"/>
+              <a:t>dùn</a:t>
+            </a:r>
+            <a:r>
+              <a:rPr lang="en-US" altLang="zh-CN" sz="2000" dirty="0"/>
+              <a:t>   </a:t>
+            </a:r>
+            <a:r>
+              <a:rPr lang="en-US" altLang="zh-CN" sz="2000" dirty="0" err="1"/>
+              <a:t>jiǎo</a:t>
+            </a:r>
+            <a:endParaRPr lang="zh-CN" altLang="en-US" sz="2000" dirty="0"/>
+          </a:p>
+        </p:txBody>
+      </p:sp>
+      <p:grpSp>
+        <p:nvGrpSpPr>
+          <p:cNvPr id="54" name="组合 53">
+            <a:extLst>
+              <a:ext uri="{FF2B5EF4-FFF2-40B4-BE49-F238E27FC236}">
+                <a16:creationId xmlns:a16="http://schemas.microsoft.com/office/drawing/2014/main" id="{231ACB52-CD9D-43DD-9471-43CAAA8992BE}"/>
+              </a:ext>
+            </a:extLst>
+          </p:cNvPr>
+          <p:cNvGrpSpPr/>
+          <p:nvPr/>
+        </p:nvGrpSpPr>
+        <p:grpSpPr>
+          <a:xfrm>
+            <a:off x="8344040" y="3538021"/>
+            <a:ext cx="0" cy="2672680"/>
+            <a:chOff x="3791744" y="3140969"/>
+            <a:chExt cx="0" cy="2672680"/>
+          </a:xfrm>
+        </p:grpSpPr>
+        <p:cxnSp>
+          <p:nvCxnSpPr>
+            <p:cNvPr id="55" name="直接连接符 54">
+              <a:extLst>
+                <a:ext uri="{FF2B5EF4-FFF2-40B4-BE49-F238E27FC236}">
+                  <a16:creationId xmlns:a16="http://schemas.microsoft.com/office/drawing/2014/main" id="{9B5DE551-FBEA-47AA-B735-2309309322C4}"/>
+                </a:ext>
+              </a:extLst>
+            </p:cNvPr>
+            <p:cNvCxnSpPr>
+              <a:cxnSpLocks/>
+            </p:cNvCxnSpPr>
+            <p:nvPr/>
+          </p:nvCxnSpPr>
+          <p:spPr>
+            <a:xfrm flipV="1">
+              <a:off x="3791744" y="3140969"/>
+              <a:ext cx="0" cy="2520279"/>
+            </a:xfrm>
+            <a:prstGeom prst="line">
+              <a:avLst/>
+            </a:prstGeom>
+          </p:spPr>
+          <p:style>
+            <a:lnRef idx="3">
+              <a:schemeClr val="accent1"/>
+            </a:lnRef>
+            <a:fillRef idx="0">
+              <a:schemeClr val="accent1"/>
+            </a:fillRef>
+            <a:effectRef idx="2">
+              <a:schemeClr val="accent1"/>
+            </a:effectRef>
+            <a:fontRef idx="minor">
+              <a:schemeClr val="tx1"/>
+            </a:fontRef>
+          </p:style>
+        </p:cxnSp>
+        <p:cxnSp>
+          <p:nvCxnSpPr>
+            <p:cNvPr id="56" name="直接连接符 55">
+              <a:extLst>
+                <a:ext uri="{FF2B5EF4-FFF2-40B4-BE49-F238E27FC236}">
+                  <a16:creationId xmlns:a16="http://schemas.microsoft.com/office/drawing/2014/main" id="{8C96DAF7-4A31-41A5-8868-850211551E73}"/>
+                </a:ext>
+              </a:extLst>
+            </p:cNvPr>
+            <p:cNvCxnSpPr>
+              <a:cxnSpLocks/>
+            </p:cNvCxnSpPr>
+            <p:nvPr/>
+          </p:nvCxnSpPr>
+          <p:spPr>
+            <a:xfrm flipV="1">
+              <a:off x="3791744" y="4509120"/>
+              <a:ext cx="0" cy="1304529"/>
+            </a:xfrm>
+            <a:prstGeom prst="line">
+              <a:avLst/>
+            </a:prstGeom>
+            <a:ln>
+              <a:solidFill>
+                <a:srgbClr val="F0FCD9"/>
+              </a:solidFill>
+            </a:ln>
+          </p:spPr>
+          <p:style>
+            <a:lnRef idx="3">
+              <a:schemeClr val="accent1"/>
+            </a:lnRef>
+            <a:fillRef idx="0">
+              <a:schemeClr val="accent1"/>
+            </a:fillRef>
+            <a:effectRef idx="2">
+              <a:schemeClr val="accent1"/>
+            </a:effectRef>
+            <a:fontRef idx="minor">
+              <a:schemeClr val="tx1"/>
+            </a:fontRef>
+          </p:style>
+        </p:cxnSp>
+      </p:grpSp>
+      <p:sp>
+        <p:nvSpPr>
+          <p:cNvPr id="57" name="不完整圆 56">
+            <a:extLst>
+              <a:ext uri="{FF2B5EF4-FFF2-40B4-BE49-F238E27FC236}">
+                <a16:creationId xmlns:a16="http://schemas.microsoft.com/office/drawing/2014/main" id="{60203705-7D67-4FE9-A803-B32D80F8CA0F}"/>
+              </a:ext>
+            </a:extLst>
+          </p:cNvPr>
+          <p:cNvSpPr/>
+          <p:nvPr/>
+        </p:nvSpPr>
+        <p:spPr>
+          <a:xfrm rot="5400000">
+            <a:off x="7083617" y="3472051"/>
+            <a:ext cx="2554724" cy="2845571"/>
+          </a:xfrm>
+          <a:prstGeom prst="pie">
+            <a:avLst>
+              <a:gd name="adj1" fmla="val 5392562"/>
+              <a:gd name="adj2" fmla="val 10798531"/>
+            </a:avLst>
+          </a:prstGeom>
+          <a:solidFill>
+            <a:schemeClr val="accent1">
+              <a:alpha val="50000"/>
+            </a:schemeClr>
+          </a:solidFill>
+          <a:ln>
+            <a:noFill/>
+          </a:ln>
+        </p:spPr>
+        <p:style>
+          <a:lnRef idx="0">
+            <a:scrgbClr r="0" g="0" b="0"/>
+          </a:lnRef>
+          <a:fillRef idx="0">
+            <a:scrgbClr r="0" g="0" b="0"/>
+          </a:fillRef>
+          <a:effectRef idx="0">
+            <a:scrgbClr r="0" g="0" b="0"/>
+          </a:effectRef>
+          <a:fontRef idx="minor">
+            <a:schemeClr val="lt1"/>
+          </a:fontRef>
+        </p:style>
+        <p:txBody>
+          <a:bodyPr rtlCol="0" anchor="ctr"/>
+          <a:lstStyle/>
+          <a:p>
+            <a:pPr algn="ctr"/>
+            <a:endParaRPr lang="zh-CN" altLang="en-US">
+              <a:solidFill>
+                <a:schemeClr val="tx1"/>
+              </a:solidFill>
+            </a:endParaRPr>
+          </a:p>
+        </p:txBody>
+      </p:sp>
+    </p:spTree>
+    <p:extLst>
+      <p:ext uri="{BB962C8B-B14F-4D97-AF65-F5344CB8AC3E}">
+        <p14:creationId xmlns:p14="http://schemas.microsoft.com/office/powerpoint/2010/main" val="628555057"/>
+      </p:ext>
+    </p:extLst>
+  </p:cSld>
+  <p:clrMapOvr>
+    <a:masterClrMapping/>
+  </p:clrMapOvr>
+  <mc:AlternateContent xmlns:mc="http://schemas.openxmlformats.org/markup-compatibility/2006" xmlns:p14="http://schemas.microsoft.com/office/powerpoint/2010/main">
+    <mc:Choice Requires="p14">
+      <p:transition spd="med" p14:dur="700">
+        <p:fade/>
+      </p:transition>
+    </mc:Choice>
+    <mc:Fallback xmlns="">
+      <p:transition spd="med">
+        <p:fade/>
+      </p:transition>
+    </mc:Fallback>
+  </mc:AlternateContent>
+  <p:timing>
+    <p:tnLst>
+      <p:par>
+        <p:cTn id="1" dur="indefinite" restart="never" nodeType="tmRoot">
+          <p:childTnLst>
+            <p:seq concurrent="1" nextAc="seek">
+              <p:cTn id="2" dur="indefinite" nodeType="mainSeq">
+                <p:childTnLst>
+                  <p:par>
+                    <p:cTn id="3" fill="hold">
+                      <p:stCondLst>
+                        <p:cond delay="indefinite"/>
+                      </p:stCondLst>
+                      <p:childTnLst>
+                        <p:par>
+                          <p:cTn id="4" fill="hold">
+                            <p:stCondLst>
+                              <p:cond delay="0"/>
+                            </p:stCondLst>
+                            <p:childTnLst>
+                              <p:par>
+                                <p:cTn id="5" presetID="17" presetClass="entr" presetSubtype="1" fill="hold" nodeType="clickEffect">
+                                  <p:stCondLst>
+                                    <p:cond delay="0"/>
+                                  </p:stCondLst>
+                                  <p:childTnLst>
+                                    <p:set>
+                                      <p:cBhvr>
+                                        <p:cTn id="6" dur="1" fill="hold">
+                                          <p:stCondLst>
+                                            <p:cond delay="0"/>
+                                          </p:stCondLst>
+                                        </p:cTn>
+                                        <p:tgtEl>
+                                          <p:spTgt spid="5"/>
+                                        </p:tgtEl>
+                                        <p:attrNameLst>
+                                          <p:attrName>style.visibility</p:attrName>
+                                        </p:attrNameLst>
+                                      </p:cBhvr>
+                                      <p:to>
+                                        <p:strVal val="visible"/>
+                                      </p:to>
+                                    </p:set>
+                                    <p:anim calcmode="lin" valueType="num">
+                                      <p:cBhvr>
+                                        <p:cTn id="7" dur="500" fill="hold"/>
+                                        <p:tgtEl>
+                                          <p:spTgt spid="5"/>
+                                        </p:tgtEl>
+                                        <p:attrNameLst>
+                                          <p:attrName>ppt_x</p:attrName>
+                                        </p:attrNameLst>
+                                      </p:cBhvr>
+                                      <p:tavLst>
+                                        <p:tav tm="0">
+                                          <p:val>
+                                            <p:strVal val="#ppt_x"/>
+                                          </p:val>
+                                        </p:tav>
+                                        <p:tav tm="100000">
+                                          <p:val>
+                                            <p:strVal val="#ppt_x"/>
+                                          </p:val>
+                                        </p:tav>
+                                      </p:tavLst>
+                                    </p:anim>
+                                    <p:anim calcmode="lin" valueType="num">
+                                      <p:cBhvr>
+                                        <p:cTn id="8" dur="500" fill="hold"/>
+                                        <p:tgtEl>
+                                          <p:spTgt spid="5"/>
+                                        </p:tgtEl>
+                                        <p:attrNameLst>
+                                          <p:attrName>ppt_y</p:attrName>
+                                        </p:attrNameLst>
+                                      </p:cBhvr>
+                                      <p:tavLst>
+                                        <p:tav tm="0">
+                                          <p:val>
+                                            <p:strVal val="#ppt_y-#ppt_h/2"/>
+                                          </p:val>
+                                        </p:tav>
+                                        <p:tav tm="100000">
+                                          <p:val>
+                                            <p:strVal val="#ppt_y"/>
+                                          </p:val>
+                                        </p:tav>
+                                      </p:tavLst>
+                                    </p:anim>
+                                    <p:anim calcmode="lin" valueType="num">
+                                      <p:cBhvr>
+                                        <p:cTn id="9" dur="500" fill="hold"/>
+                                        <p:tgtEl>
+                                          <p:spTgt spid="5"/>
+                                        </p:tgtEl>
+                                        <p:attrNameLst>
+                                          <p:attrName>ppt_w</p:attrName>
+                                        </p:attrNameLst>
+                                      </p:cBhvr>
+                                      <p:tavLst>
+                                        <p:tav tm="0">
+                                          <p:val>
+                                            <p:strVal val="#ppt_w"/>
+                                          </p:val>
+                                        </p:tav>
+                                        <p:tav tm="100000">
+                                          <p:val>
+                                            <p:strVal val="#ppt_w"/>
+                                          </p:val>
+                                        </p:tav>
+                                      </p:tavLst>
+                                    </p:anim>
+                                    <p:anim calcmode="lin" valueType="num">
+                                      <p:cBhvr>
+                                        <p:cTn id="10" dur="500" fill="hold"/>
+                                        <p:tgtEl>
+                                          <p:spTgt spid="5"/>
+                                        </p:tgtEl>
+                                        <p:attrNameLst>
+                                          <p:attrName>ppt_h</p:attrName>
+                                        </p:attrNameLst>
+                                      </p:cBhvr>
+                                      <p:tavLst>
+                                        <p:tav tm="0">
+                                          <p:val>
+                                            <p:fltVal val="0"/>
+                                          </p:val>
+                                        </p:tav>
+                                        <p:tav tm="100000">
+                                          <p:val>
+                                            <p:strVal val="#ppt_h"/>
+                                          </p:val>
+                                        </p:tav>
+                                      </p:tavLst>
+                                    </p:anim>
+                                  </p:childTnLst>
+                                </p:cTn>
+                              </p:par>
+                            </p:childTnLst>
+                          </p:cTn>
+                        </p:par>
+                      </p:childTnLst>
+                    </p:cTn>
+                  </p:par>
+                  <p:par>
+                    <p:cTn id="11" fill="hold">
+                      <p:stCondLst>
+                        <p:cond delay="indefinite"/>
+                      </p:stCondLst>
+                      <p:childTnLst>
+                        <p:par>
+                          <p:cTn id="12" fill="hold">
+                            <p:stCondLst>
+                              <p:cond delay="0"/>
+                            </p:stCondLst>
+                            <p:childTnLst>
+                              <p:par>
+                                <p:cTn id="13" presetID="17" presetClass="entr" presetSubtype="8" fill="hold" nodeType="clickEffect">
+                                  <p:stCondLst>
+                                    <p:cond delay="0"/>
+                                  </p:stCondLst>
+                                  <p:childTnLst>
+                                    <p:set>
+                                      <p:cBhvr>
+                                        <p:cTn id="14" dur="1" fill="hold">
+                                          <p:stCondLst>
+                                            <p:cond delay="0"/>
+                                          </p:stCondLst>
+                                        </p:cTn>
+                                        <p:tgtEl>
+                                          <p:spTgt spid="4"/>
+                                        </p:tgtEl>
+                                        <p:attrNameLst>
+                                          <p:attrName>style.visibility</p:attrName>
+                                        </p:attrNameLst>
+                                      </p:cBhvr>
+                                      <p:to>
+                                        <p:strVal val="visible"/>
+                                      </p:to>
+                                    </p:set>
+                                    <p:anim calcmode="lin" valueType="num">
+                                      <p:cBhvr>
+                                        <p:cTn id="15" dur="500" fill="hold"/>
+                                        <p:tgtEl>
+                                          <p:spTgt spid="4"/>
+                                        </p:tgtEl>
+                                        <p:attrNameLst>
+                                          <p:attrName>ppt_x</p:attrName>
+                                        </p:attrNameLst>
+                                      </p:cBhvr>
+                                      <p:tavLst>
+                                        <p:tav tm="0">
+                                          <p:val>
+                                            <p:strVal val="#ppt_x-#ppt_w/2"/>
+                                          </p:val>
+                                        </p:tav>
+                                        <p:tav tm="100000">
+                                          <p:val>
+                                            <p:strVal val="#ppt_x"/>
+                                          </p:val>
+                                        </p:tav>
+                                      </p:tavLst>
+                                    </p:anim>
+                                    <p:anim calcmode="lin" valueType="num">
+                                      <p:cBhvr>
+                                        <p:cTn id="16" dur="500" fill="hold"/>
+                                        <p:tgtEl>
+                                          <p:spTgt spid="4"/>
+                                        </p:tgtEl>
+                                        <p:attrNameLst>
+                                          <p:attrName>ppt_y</p:attrName>
+                                        </p:attrNameLst>
+                                      </p:cBhvr>
+                                      <p:tavLst>
+                                        <p:tav tm="0">
+                                          <p:val>
+                                            <p:strVal val="#ppt_y"/>
+                                          </p:val>
+                                        </p:tav>
+                                        <p:tav tm="100000">
+                                          <p:val>
+                                            <p:strVal val="#ppt_y"/>
+                                          </p:val>
+                                        </p:tav>
+                                      </p:tavLst>
+                                    </p:anim>
+                                    <p:anim calcmode="lin" valueType="num">
+                                      <p:cBhvr>
+                                        <p:cTn id="17" dur="500" fill="hold"/>
+                                        <p:tgtEl>
+                                          <p:spTgt spid="4"/>
+                                        </p:tgtEl>
+                                        <p:attrNameLst>
+                                          <p:attrName>ppt_w</p:attrName>
+                                        </p:attrNameLst>
+                                      </p:cBhvr>
+                                      <p:tavLst>
+                                        <p:tav tm="0">
+                                          <p:val>
+                                            <p:fltVal val="0"/>
+                                          </p:val>
+                                        </p:tav>
+                                        <p:tav tm="100000">
+                                          <p:val>
+                                            <p:strVal val="#ppt_w"/>
+                                          </p:val>
+                                        </p:tav>
+                                      </p:tavLst>
+                                    </p:anim>
+                                    <p:anim calcmode="lin" valueType="num">
+                                      <p:cBhvr>
+                                        <p:cTn id="18" dur="500" fill="hold"/>
+                                        <p:tgtEl>
+                                          <p:spTgt spid="4"/>
+                                        </p:tgtEl>
+                                        <p:attrNameLst>
+                                          <p:attrName>ppt_h</p:attrName>
+                                        </p:attrNameLst>
+                                      </p:cBhvr>
+                                      <p:tavLst>
+                                        <p:tav tm="0">
+                                          <p:val>
+                                            <p:strVal val="#ppt_h"/>
+                                          </p:val>
+                                        </p:tav>
+                                        <p:tav tm="100000">
+                                          <p:val>
+                                            <p:strVal val="#ppt_h"/>
+                                          </p:val>
+                                        </p:tav>
+                                      </p:tavLst>
+                                    </p:anim>
+                                  </p:childTnLst>
+                                </p:cTn>
+                              </p:par>
+                            </p:childTnLst>
+                          </p:cTn>
+                        </p:par>
+                      </p:childTnLst>
+                    </p:cTn>
+                  </p:par>
+                  <p:par>
+                    <p:cTn id="19" fill="hold">
+                      <p:stCondLst>
+                        <p:cond delay="indefinite"/>
+                      </p:stCondLst>
+                      <p:childTnLst>
+                        <p:par>
+                          <p:cTn id="20" fill="hold">
+                            <p:stCondLst>
+                              <p:cond delay="0"/>
+                            </p:stCondLst>
+                            <p:childTnLst>
+                              <p:par>
+                                <p:cTn id="21" presetID="17" presetClass="entr" presetSubtype="8" fill="hold" nodeType="clickEffect">
+                                  <p:stCondLst>
+                                    <p:cond delay="0"/>
+                                  </p:stCondLst>
+                                  <p:childTnLst>
+                                    <p:set>
+                                      <p:cBhvr>
+                                        <p:cTn id="22" dur="1" fill="hold">
+                                          <p:stCondLst>
+                                            <p:cond delay="0"/>
+                                          </p:stCondLst>
+                                        </p:cTn>
+                                        <p:tgtEl>
+                                          <p:spTgt spid="10"/>
+                                        </p:tgtEl>
+                                        <p:attrNameLst>
+                                          <p:attrName>style.visibility</p:attrName>
+                                        </p:attrNameLst>
+                                      </p:cBhvr>
+                                      <p:to>
+                                        <p:strVal val="visible"/>
+                                      </p:to>
+                                    </p:set>
+                                    <p:anim calcmode="lin" valueType="num">
+                                      <p:cBhvr>
+                                        <p:cTn id="23" dur="500" fill="hold"/>
+                                        <p:tgtEl>
+                                          <p:spTgt spid="10"/>
+                                        </p:tgtEl>
+                                        <p:attrNameLst>
+                                          <p:attrName>ppt_x</p:attrName>
+                                        </p:attrNameLst>
+                                      </p:cBhvr>
+                                      <p:tavLst>
+                                        <p:tav tm="0">
+                                          <p:val>
+                                            <p:strVal val="#ppt_x-#ppt_w/2"/>
+                                          </p:val>
+                                        </p:tav>
+                                        <p:tav tm="100000">
+                                          <p:val>
+                                            <p:strVal val="#ppt_x"/>
+                                          </p:val>
+                                        </p:tav>
+                                      </p:tavLst>
+                                    </p:anim>
+                                    <p:anim calcmode="lin" valueType="num">
+                                      <p:cBhvr>
+                                        <p:cTn id="24" dur="500" fill="hold"/>
+                                        <p:tgtEl>
+                                          <p:spTgt spid="10"/>
+                                        </p:tgtEl>
+                                        <p:attrNameLst>
+                                          <p:attrName>ppt_y</p:attrName>
+                                        </p:attrNameLst>
+                                      </p:cBhvr>
+                                      <p:tavLst>
+                                        <p:tav tm="0">
+                                          <p:val>
+                                            <p:strVal val="#ppt_y"/>
+                                          </p:val>
+                                        </p:tav>
+                                        <p:tav tm="100000">
+                                          <p:val>
+                                            <p:strVal val="#ppt_y"/>
+                                          </p:val>
+                                        </p:tav>
+                                      </p:tavLst>
+                                    </p:anim>
+                                    <p:anim calcmode="lin" valueType="num">
+                                      <p:cBhvr>
+                                        <p:cTn id="25" dur="500" fill="hold"/>
+                                        <p:tgtEl>
+                                          <p:spTgt spid="10"/>
+                                        </p:tgtEl>
+                                        <p:attrNameLst>
+                                          <p:attrName>ppt_w</p:attrName>
+                                        </p:attrNameLst>
+                                      </p:cBhvr>
+                                      <p:tavLst>
+                                        <p:tav tm="0">
+                                          <p:val>
+                                            <p:fltVal val="0"/>
+                                          </p:val>
+                                        </p:tav>
+                                        <p:tav tm="100000">
+                                          <p:val>
+                                            <p:strVal val="#ppt_w"/>
+                                          </p:val>
+                                        </p:tav>
+                                      </p:tavLst>
+                                    </p:anim>
+                                    <p:anim calcmode="lin" valueType="num">
+                                      <p:cBhvr>
+                                        <p:cTn id="26" dur="500" fill="hold"/>
+                                        <p:tgtEl>
+                                          <p:spTgt spid="10"/>
+                                        </p:tgtEl>
+                                        <p:attrNameLst>
+                                          <p:attrName>ppt_h</p:attrName>
+                                        </p:attrNameLst>
+                                      </p:cBhvr>
+                                      <p:tavLst>
+                                        <p:tav tm="0">
+                                          <p:val>
+                                            <p:strVal val="#ppt_h"/>
+                                          </p:val>
+                                        </p:tav>
+                                        <p:tav tm="100000">
+                                          <p:val>
+                                            <p:strVal val="#ppt_h"/>
+                                          </p:val>
+                                        </p:tav>
+                                      </p:tavLst>
+                                    </p:anim>
+                                  </p:childTnLst>
+                                </p:cTn>
+                              </p:par>
+                            </p:childTnLst>
+                          </p:cTn>
+                        </p:par>
+                      </p:childTnLst>
+                    </p:cTn>
+                  </p:par>
+                  <p:par>
+                    <p:cTn id="27" fill="hold">
+                      <p:stCondLst>
+                        <p:cond delay="indefinite"/>
+                      </p:stCondLst>
+                      <p:childTnLst>
+                        <p:par>
+                          <p:cTn id="28" fill="hold">
+                            <p:stCondLst>
+                              <p:cond delay="0"/>
+                            </p:stCondLst>
+                            <p:childTnLst>
+                              <p:par>
+                                <p:cTn id="29" presetID="17" presetClass="entr" presetSubtype="1" fill="hold" nodeType="clickEffect">
+                                  <p:stCondLst>
+                                    <p:cond delay="0"/>
+                                  </p:stCondLst>
+                                  <p:childTnLst>
+                                    <p:set>
+                                      <p:cBhvr>
+                                        <p:cTn id="30" dur="1" fill="hold">
+                                          <p:stCondLst>
+                                            <p:cond delay="0"/>
+                                          </p:stCondLst>
+                                        </p:cTn>
+                                        <p:tgtEl>
+                                          <p:spTgt spid="11"/>
+                                        </p:tgtEl>
+                                        <p:attrNameLst>
+                                          <p:attrName>style.visibility</p:attrName>
+                                        </p:attrNameLst>
+                                      </p:cBhvr>
+                                      <p:to>
+                                        <p:strVal val="visible"/>
+                                      </p:to>
+                                    </p:set>
+                                    <p:anim calcmode="lin" valueType="num">
+                                      <p:cBhvr>
+                                        <p:cTn id="31" dur="500" fill="hold"/>
+                                        <p:tgtEl>
+                                          <p:spTgt spid="11"/>
+                                        </p:tgtEl>
+                                        <p:attrNameLst>
+                                          <p:attrName>ppt_x</p:attrName>
+                                        </p:attrNameLst>
+                                      </p:cBhvr>
+                                      <p:tavLst>
+                                        <p:tav tm="0">
+                                          <p:val>
+                                            <p:strVal val="#ppt_x"/>
+                                          </p:val>
+                                        </p:tav>
+                                        <p:tav tm="100000">
+                                          <p:val>
+                                            <p:strVal val="#ppt_x"/>
+                                          </p:val>
+                                        </p:tav>
+                                      </p:tavLst>
+                                    </p:anim>
+                                    <p:anim calcmode="lin" valueType="num">
+                                      <p:cBhvr>
+                                        <p:cTn id="32" dur="500" fill="hold"/>
+                                        <p:tgtEl>
+                                          <p:spTgt spid="11"/>
+                                        </p:tgtEl>
+                                        <p:attrNameLst>
+                                          <p:attrName>ppt_y</p:attrName>
+                                        </p:attrNameLst>
+                                      </p:cBhvr>
+                                      <p:tavLst>
+                                        <p:tav tm="0">
+                                          <p:val>
+                                            <p:strVal val="#ppt_y-#ppt_h/2"/>
+                                          </p:val>
+                                        </p:tav>
+                                        <p:tav tm="100000">
+                                          <p:val>
+                                            <p:strVal val="#ppt_y"/>
+                                          </p:val>
+                                        </p:tav>
+                                      </p:tavLst>
+                                    </p:anim>
+                                    <p:anim calcmode="lin" valueType="num">
+                                      <p:cBhvr>
+                                        <p:cTn id="33" dur="500" fill="hold"/>
+                                        <p:tgtEl>
+                                          <p:spTgt spid="11"/>
+                                        </p:tgtEl>
+                                        <p:attrNameLst>
+                                          <p:attrName>ppt_w</p:attrName>
+                                        </p:attrNameLst>
+                                      </p:cBhvr>
+                                      <p:tavLst>
+                                        <p:tav tm="0">
+                                          <p:val>
+                                            <p:strVal val="#ppt_w"/>
+                                          </p:val>
+                                        </p:tav>
+                                        <p:tav tm="100000">
+                                          <p:val>
+                                            <p:strVal val="#ppt_w"/>
+                                          </p:val>
+                                        </p:tav>
+                                      </p:tavLst>
+                                    </p:anim>
+                                    <p:anim calcmode="lin" valueType="num">
+                                      <p:cBhvr>
+                                        <p:cTn id="34" dur="500" fill="hold"/>
+                                        <p:tgtEl>
+                                          <p:spTgt spid="11"/>
+                                        </p:tgtEl>
+                                        <p:attrNameLst>
+                                          <p:attrName>ppt_h</p:attrName>
+                                        </p:attrNameLst>
+                                      </p:cBhvr>
+                                      <p:tavLst>
+                                        <p:tav tm="0">
+                                          <p:val>
+                                            <p:fltVal val="0"/>
+                                          </p:val>
+                                        </p:tav>
+                                        <p:tav tm="100000">
+                                          <p:val>
+                                            <p:strVal val="#ppt_h"/>
+                                          </p:val>
+                                        </p:tav>
+                                      </p:tavLst>
+                                    </p:anim>
+                                  </p:childTnLst>
+                                </p:cTn>
+                              </p:par>
+                            </p:childTnLst>
+                          </p:cTn>
+                        </p:par>
+                      </p:childTnLst>
+                    </p:cTn>
+                  </p:par>
+                  <p:par>
+                    <p:cTn id="35" fill="hold">
+                      <p:stCondLst>
+                        <p:cond delay="indefinite"/>
+                      </p:stCondLst>
+                      <p:childTnLst>
+                        <p:par>
+                          <p:cTn id="36" fill="hold">
+                            <p:stCondLst>
+                              <p:cond delay="0"/>
+                            </p:stCondLst>
+                            <p:childTnLst>
+                              <p:par>
+                                <p:cTn id="37" presetID="35" presetClass="emph" presetSubtype="0" fill="hold" nodeType="clickEffect">
+                                  <p:stCondLst>
+                                    <p:cond delay="0"/>
+                                  </p:stCondLst>
+                                  <p:childTnLst>
+                                    <p:anim calcmode="discrete" valueType="str">
+                                      <p:cBhvr>
+                                        <p:cTn id="38" dur="1000" fill="hold"/>
+                                        <p:tgtEl>
+                                          <p:spTgt spid="25"/>
+                                        </p:tgtEl>
+                                        <p:attrNameLst>
+                                          <p:attrName>style.visibility</p:attrName>
+                                        </p:attrNameLst>
+                                      </p:cBhvr>
+                                      <p:tavLst>
+                                        <p:tav tm="0">
+                                          <p:val>
+                                            <p:strVal val="hidden"/>
+                                          </p:val>
+                                        </p:tav>
+                                        <p:tav tm="50000">
+                                          <p:val>
+                                            <p:strVal val="visible"/>
+                                          </p:val>
+                                        </p:tav>
+                                      </p:tavLst>
+                                    </p:anim>
+                                  </p:childTnLst>
+                                </p:cTn>
+                              </p:par>
+                              <p:par>
+                                <p:cTn id="39" presetID="35" presetClass="emph" presetSubtype="0" fill="hold" nodeType="withEffect">
+                                  <p:stCondLst>
+                                    <p:cond delay="0"/>
+                                  </p:stCondLst>
+                                  <p:childTnLst>
+                                    <p:anim calcmode="discrete" valueType="str">
+                                      <p:cBhvr>
+                                        <p:cTn id="40" dur="1000" fill="hold"/>
+                                        <p:tgtEl>
+                                          <p:spTgt spid="14"/>
+                                        </p:tgtEl>
+                                        <p:attrNameLst>
+                                          <p:attrName>style.visibility</p:attrName>
+                                        </p:attrNameLst>
+                                      </p:cBhvr>
+                                      <p:tavLst>
+                                        <p:tav tm="0">
+                                          <p:val>
+                                            <p:strVal val="hidden"/>
+                                          </p:val>
+                                        </p:tav>
+                                        <p:tav tm="50000">
+                                          <p:val>
+                                            <p:strVal val="visible"/>
+                                          </p:val>
+                                        </p:tav>
+                                      </p:tavLst>
+                                    </p:anim>
+                                  </p:childTnLst>
+                                </p:cTn>
+                              </p:par>
+                            </p:childTnLst>
+                          </p:cTn>
+                        </p:par>
+                      </p:childTnLst>
+                    </p:cTn>
+                  </p:par>
+                  <p:par>
+                    <p:cTn id="41" fill="hold">
+                      <p:stCondLst>
+                        <p:cond delay="indefinite"/>
+                      </p:stCondLst>
+                      <p:childTnLst>
+                        <p:par>
+                          <p:cTn id="42" fill="hold">
+                            <p:stCondLst>
+                              <p:cond delay="0"/>
+                            </p:stCondLst>
+                            <p:childTnLst>
+                              <p:par>
+                                <p:cTn id="43" presetID="24" presetClass="emph" presetSubtype="0" fill="hold" grpId="0" nodeType="clickEffect">
+                                  <p:stCondLst>
+                                    <p:cond delay="0"/>
+                                  </p:stCondLst>
+                                  <p:childTnLst>
+                                    <p:animClr clrSpc="hsl" dir="cw">
+                                      <p:cBhvr override="childStyle">
+                                        <p:cTn id="44" dur="500" fill="hold"/>
+                                        <p:tgtEl>
+                                          <p:spTgt spid="36"/>
+                                        </p:tgtEl>
+                                        <p:attrNameLst>
+                                          <p:attrName>style.color</p:attrName>
+                                        </p:attrNameLst>
+                                      </p:cBhvr>
+                                      <p:by>
+                                        <p:hsl h="0" s="-12549" l="-25098"/>
+                                      </p:by>
+                                    </p:animClr>
+                                    <p:animClr clrSpc="hsl" dir="cw">
+                                      <p:cBhvr>
+                                        <p:cTn id="45" dur="500" fill="hold"/>
+                                        <p:tgtEl>
+                                          <p:spTgt spid="36"/>
+                                        </p:tgtEl>
+                                        <p:attrNameLst>
+                                          <p:attrName>fillcolor</p:attrName>
+                                        </p:attrNameLst>
+                                      </p:cBhvr>
+                                      <p:by>
+                                        <p:hsl h="0" s="-12549" l="-25098"/>
+                                      </p:by>
+                                    </p:animClr>
+                                    <p:animClr clrSpc="hsl" dir="cw">
+                                      <p:cBhvr>
+                                        <p:cTn id="46" dur="500" fill="hold"/>
+                                        <p:tgtEl>
+                                          <p:spTgt spid="36"/>
+                                        </p:tgtEl>
+                                        <p:attrNameLst>
+                                          <p:attrName>stroke.color</p:attrName>
+                                        </p:attrNameLst>
+                                      </p:cBhvr>
+                                      <p:by>
+                                        <p:hsl h="0" s="-12549" l="-25098"/>
+                                      </p:by>
+                                    </p:animClr>
+                                    <p:set>
+                                      <p:cBhvr>
+                                        <p:cTn id="47" dur="500" fill="hold"/>
+                                        <p:tgtEl>
+                                          <p:spTgt spid="36"/>
+                                        </p:tgtEl>
+                                        <p:attrNameLst>
+                                          <p:attrName>fill.type</p:attrName>
+                                        </p:attrNameLst>
+                                      </p:cBhvr>
+                                      <p:to>
+                                        <p:strVal val="solid"/>
+                                      </p:to>
+                                    </p:set>
+                                  </p:childTnLst>
+                                </p:cTn>
+                              </p:par>
+                            </p:childTnLst>
+                          </p:cTn>
+                        </p:par>
+                      </p:childTnLst>
+                    </p:cTn>
+                  </p:par>
+                  <p:par>
+                    <p:cTn id="48" fill="hold">
+                      <p:stCondLst>
+                        <p:cond delay="indefinite"/>
+                      </p:stCondLst>
+                      <p:childTnLst>
+                        <p:par>
+                          <p:cTn id="49" fill="hold">
+                            <p:stCondLst>
+                              <p:cond delay="0"/>
+                            </p:stCondLst>
+                            <p:childTnLst>
+                              <p:par>
+                                <p:cTn id="50" presetID="8" presetClass="emph" presetSubtype="0" repeatCount="2000" fill="hold" nodeType="clickEffect">
+                                  <p:stCondLst>
+                                    <p:cond delay="0"/>
+                                  </p:stCondLst>
+                                  <p:childTnLst>
+                                    <p:animRot by="5400000">
+                                      <p:cBhvr>
+                                        <p:cTn id="51" dur="5000" fill="hold"/>
+                                        <p:tgtEl>
+                                          <p:spTgt spid="24"/>
+                                        </p:tgtEl>
+                                        <p:attrNameLst>
+                                          <p:attrName>r</p:attrName>
+                                        </p:attrNameLst>
+                                      </p:cBhvr>
+                                    </p:animRot>
+                                  </p:childTnLst>
+                                </p:cTn>
+                              </p:par>
+                            </p:childTnLst>
+                          </p:cTn>
+                        </p:par>
+                      </p:childTnLst>
+                    </p:cTn>
+                  </p:par>
+                  <p:par>
+                    <p:cTn id="52" fill="hold">
+                      <p:stCondLst>
+                        <p:cond delay="indefinite"/>
+                      </p:stCondLst>
+                      <p:childTnLst>
+                        <p:par>
+                          <p:cTn id="53" fill="hold">
+                            <p:stCondLst>
+                              <p:cond delay="0"/>
+                            </p:stCondLst>
+                            <p:childTnLst>
+                              <p:par>
+                                <p:cTn id="54" presetID="16" presetClass="entr" presetSubtype="21" fill="hold" nodeType="clickEffect">
+                                  <p:stCondLst>
+                                    <p:cond delay="0"/>
+                                  </p:stCondLst>
+                                  <p:childTnLst>
+                                    <p:set>
+                                      <p:cBhvr>
+                                        <p:cTn id="55" dur="1" fill="hold">
+                                          <p:stCondLst>
+                                            <p:cond delay="0"/>
+                                          </p:stCondLst>
+                                        </p:cTn>
+                                        <p:tgtEl>
+                                          <p:spTgt spid="40"/>
+                                        </p:tgtEl>
+                                        <p:attrNameLst>
+                                          <p:attrName>style.visibility</p:attrName>
+                                        </p:attrNameLst>
+                                      </p:cBhvr>
+                                      <p:to>
+                                        <p:strVal val="visible"/>
+                                      </p:to>
+                                    </p:set>
+                                    <p:animEffect transition="in" filter="barn(inVertical)">
+                                      <p:cBhvr>
+                                        <p:cTn id="56" dur="500"/>
+                                        <p:tgtEl>
+                                          <p:spTgt spid="40"/>
+                                        </p:tgtEl>
+                                      </p:cBhvr>
+                                    </p:animEffect>
+                                  </p:childTnLst>
+                                </p:cTn>
+                              </p:par>
+                              <p:par>
+                                <p:cTn id="57" presetID="16" presetClass="entr" presetSubtype="21" fill="hold" nodeType="withEffect">
+                                  <p:stCondLst>
+                                    <p:cond delay="0"/>
+                                  </p:stCondLst>
+                                  <p:childTnLst>
+                                    <p:set>
+                                      <p:cBhvr>
+                                        <p:cTn id="58" dur="1" fill="hold">
+                                          <p:stCondLst>
+                                            <p:cond delay="0"/>
+                                          </p:stCondLst>
+                                        </p:cTn>
+                                        <p:tgtEl>
+                                          <p:spTgt spid="41"/>
+                                        </p:tgtEl>
+                                        <p:attrNameLst>
+                                          <p:attrName>style.visibility</p:attrName>
+                                        </p:attrNameLst>
+                                      </p:cBhvr>
+                                      <p:to>
+                                        <p:strVal val="visible"/>
+                                      </p:to>
+                                    </p:set>
+                                    <p:animEffect transition="in" filter="barn(inVertical)">
+                                      <p:cBhvr>
+                                        <p:cTn id="59" dur="500"/>
+                                        <p:tgtEl>
+                                          <p:spTgt spid="41"/>
+                                        </p:tgtEl>
+                                      </p:cBhvr>
+                                    </p:animEffect>
+                                  </p:childTnLst>
+                                </p:cTn>
+                              </p:par>
+                            </p:childTnLst>
+                          </p:cTn>
+                        </p:par>
+                      </p:childTnLst>
+                    </p:cTn>
+                  </p:par>
+                  <p:par>
+                    <p:cTn id="60" fill="hold">
+                      <p:stCondLst>
+                        <p:cond delay="indefinite"/>
+                      </p:stCondLst>
+                      <p:childTnLst>
+                        <p:par>
+                          <p:cTn id="61" fill="hold">
+                            <p:stCondLst>
+                              <p:cond delay="0"/>
+                            </p:stCondLst>
+                            <p:childTnLst>
+                              <p:par>
+                                <p:cTn id="62" presetID="35" presetClass="emph" presetSubtype="0" fill="hold" nodeType="clickEffect">
+                                  <p:stCondLst>
+                                    <p:cond delay="0"/>
+                                  </p:stCondLst>
+                                  <p:childTnLst>
+                                    <p:anim calcmode="discrete" valueType="str">
+                                      <p:cBhvr>
+                                        <p:cTn id="63" dur="1000" fill="hold"/>
+                                        <p:tgtEl>
+                                          <p:spTgt spid="45"/>
+                                        </p:tgtEl>
+                                        <p:attrNameLst>
+                                          <p:attrName>style.visibility</p:attrName>
+                                        </p:attrNameLst>
+                                      </p:cBhvr>
+                                      <p:tavLst>
+                                        <p:tav tm="0">
+                                          <p:val>
+                                            <p:strVal val="hidden"/>
+                                          </p:val>
+                                        </p:tav>
+                                        <p:tav tm="50000">
+                                          <p:val>
+                                            <p:strVal val="visible"/>
+                                          </p:val>
+                                        </p:tav>
+                                      </p:tavLst>
+                                    </p:anim>
+                                  </p:childTnLst>
+                                </p:cTn>
+                              </p:par>
+                              <p:par>
+                                <p:cTn id="64" presetID="35" presetClass="emph" presetSubtype="0" fill="hold" nodeType="withEffect">
+                                  <p:stCondLst>
+                                    <p:cond delay="0"/>
+                                  </p:stCondLst>
+                                  <p:childTnLst>
+                                    <p:anim calcmode="discrete" valueType="str">
+                                      <p:cBhvr>
+                                        <p:cTn id="65" dur="1000" fill="hold"/>
+                                        <p:tgtEl>
+                                          <p:spTgt spid="44"/>
+                                        </p:tgtEl>
+                                        <p:attrNameLst>
+                                          <p:attrName>style.visibility</p:attrName>
+                                        </p:attrNameLst>
+                                      </p:cBhvr>
+                                      <p:tavLst>
+                                        <p:tav tm="0">
+                                          <p:val>
+                                            <p:strVal val="hidden"/>
+                                          </p:val>
+                                        </p:tav>
+                                        <p:tav tm="50000">
+                                          <p:val>
+                                            <p:strVal val="visible"/>
+                                          </p:val>
+                                        </p:tav>
+                                      </p:tavLst>
+                                    </p:anim>
+                                  </p:childTnLst>
+                                </p:cTn>
+                              </p:par>
+                            </p:childTnLst>
+                          </p:cTn>
+                        </p:par>
+                      </p:childTnLst>
+                    </p:cTn>
+                  </p:par>
+                  <p:par>
+                    <p:cTn id="66" fill="hold">
+                      <p:stCondLst>
+                        <p:cond delay="indefinite"/>
+                      </p:stCondLst>
+                      <p:childTnLst>
+                        <p:par>
+                          <p:cTn id="67" fill="hold">
+                            <p:stCondLst>
+                              <p:cond delay="0"/>
+                            </p:stCondLst>
+                            <p:childTnLst>
+                              <p:par>
+                                <p:cTn id="68" presetID="8" presetClass="emph" presetSubtype="0" repeatCount="2000" fill="hold" nodeType="clickEffect">
+                                  <p:stCondLst>
+                                    <p:cond delay="0"/>
+                                  </p:stCondLst>
+                                  <p:childTnLst>
+                                    <p:animRot by="-5400000">
+                                      <p:cBhvr>
+                                        <p:cTn id="69" dur="5000" fill="hold"/>
+                                        <p:tgtEl>
+                                          <p:spTgt spid="54"/>
+                                        </p:tgtEl>
+                                        <p:attrNameLst>
+                                          <p:attrName>r</p:attrName>
+                                        </p:attrNameLst>
+                                      </p:cBhvr>
+                                    </p:animRot>
+                                  </p:childTnLst>
+                                </p:cTn>
+                              </p:par>
+                            </p:childTnLst>
+                          </p:cTn>
+                        </p:par>
+                      </p:childTnLst>
+                    </p:cTn>
+                  </p:par>
+                  <p:par>
+                    <p:cTn id="70" fill="hold">
+                      <p:stCondLst>
+                        <p:cond delay="indefinite"/>
+                      </p:stCondLst>
+                      <p:childTnLst>
+                        <p:par>
+                          <p:cTn id="71" fill="hold">
+                            <p:stCondLst>
+                              <p:cond delay="0"/>
+                            </p:stCondLst>
+                            <p:childTnLst>
+                              <p:par>
+                                <p:cTn id="72" presetID="16" presetClass="entr" presetSubtype="21" fill="hold" nodeType="clickEffect">
+                                  <p:stCondLst>
+                                    <p:cond delay="0"/>
+                                  </p:stCondLst>
+                                  <p:childTnLst>
+                                    <p:set>
+                                      <p:cBhvr>
+                                        <p:cTn id="73" dur="1" fill="hold">
+                                          <p:stCondLst>
+                                            <p:cond delay="0"/>
+                                          </p:stCondLst>
+                                        </p:cTn>
+                                        <p:tgtEl>
+                                          <p:spTgt spid="46"/>
+                                        </p:tgtEl>
+                                        <p:attrNameLst>
+                                          <p:attrName>style.visibility</p:attrName>
+                                        </p:attrNameLst>
+                                      </p:cBhvr>
+                                      <p:to>
+                                        <p:strVal val="visible"/>
+                                      </p:to>
+                                    </p:set>
+                                    <p:animEffect transition="in" filter="barn(inVertical)">
+                                      <p:cBhvr>
+                                        <p:cTn id="74" dur="500"/>
+                                        <p:tgtEl>
+                                          <p:spTgt spid="46"/>
+                                        </p:tgtEl>
+                                      </p:cBhvr>
+                                    </p:animEffect>
+                                  </p:childTnLst>
+                                </p:cTn>
+                              </p:par>
+                              <p:par>
+                                <p:cTn id="75" presetID="16" presetClass="entr" presetSubtype="21" fill="hold" nodeType="withEffect">
+                                  <p:stCondLst>
+                                    <p:cond delay="0"/>
+                                  </p:stCondLst>
+                                  <p:childTnLst>
+                                    <p:set>
+                                      <p:cBhvr>
+                                        <p:cTn id="76" dur="1" fill="hold">
+                                          <p:stCondLst>
+                                            <p:cond delay="0"/>
+                                          </p:stCondLst>
+                                        </p:cTn>
+                                        <p:tgtEl>
+                                          <p:spTgt spid="47"/>
+                                        </p:tgtEl>
+                                        <p:attrNameLst>
+                                          <p:attrName>style.visibility</p:attrName>
+                                        </p:attrNameLst>
+                                      </p:cBhvr>
+                                      <p:to>
+                                        <p:strVal val="visible"/>
+                                      </p:to>
+                                    </p:set>
+                                    <p:animEffect transition="in" filter="barn(inVertical)">
+                                      <p:cBhvr>
+                                        <p:cTn id="77" dur="500"/>
+                                        <p:tgtEl>
+                                          <p:spTgt spid="47"/>
+                                        </p:tgtEl>
+                                      </p:cBhvr>
+                                    </p:animEffect>
+                                  </p:childTnLst>
+                                </p:cTn>
+                              </p:par>
+                            </p:childTnLst>
+                          </p:cTn>
+                        </p:par>
+                      </p:childTnLst>
+                    </p:cTn>
+                  </p:par>
+                  <p:par>
+                    <p:cTn id="78" fill="hold">
+                      <p:stCondLst>
+                        <p:cond delay="indefinite"/>
+                      </p:stCondLst>
+                      <p:childTnLst>
+                        <p:par>
+                          <p:cTn id="79" fill="hold">
+                            <p:stCondLst>
+                              <p:cond delay="0"/>
+                            </p:stCondLst>
+                            <p:childTnLst>
+                              <p:par>
+                                <p:cTn id="80" presetID="24" presetClass="emph" presetSubtype="0" fill="hold" grpId="0" nodeType="clickEffect">
+                                  <p:stCondLst>
+                                    <p:cond delay="0"/>
+                                  </p:stCondLst>
+                                  <p:childTnLst>
+                                    <p:animClr clrSpc="hsl" dir="cw">
+                                      <p:cBhvr override="childStyle">
+                                        <p:cTn id="81" dur="500" fill="hold"/>
+                                        <p:tgtEl>
+                                          <p:spTgt spid="57"/>
+                                        </p:tgtEl>
+                                        <p:attrNameLst>
+                                          <p:attrName>style.color</p:attrName>
+                                        </p:attrNameLst>
+                                      </p:cBhvr>
+                                      <p:by>
+                                        <p:hsl h="0" s="-12549" l="-25098"/>
+                                      </p:by>
+                                    </p:animClr>
+                                    <p:animClr clrSpc="hsl" dir="cw">
+                                      <p:cBhvr>
+                                        <p:cTn id="82" dur="500" fill="hold"/>
+                                        <p:tgtEl>
+                                          <p:spTgt spid="57"/>
+                                        </p:tgtEl>
+                                        <p:attrNameLst>
+                                          <p:attrName>fillcolor</p:attrName>
+                                        </p:attrNameLst>
+                                      </p:cBhvr>
+                                      <p:by>
+                                        <p:hsl h="0" s="-12549" l="-25098"/>
+                                      </p:by>
+                                    </p:animClr>
+                                    <p:animClr clrSpc="hsl" dir="cw">
+                                      <p:cBhvr>
+                                        <p:cTn id="83" dur="500" fill="hold"/>
+                                        <p:tgtEl>
+                                          <p:spTgt spid="57"/>
+                                        </p:tgtEl>
+                                        <p:attrNameLst>
+                                          <p:attrName>stroke.color</p:attrName>
+                                        </p:attrNameLst>
+                                      </p:cBhvr>
+                                      <p:by>
+                                        <p:hsl h="0" s="-12549" l="-25098"/>
+                                      </p:by>
+                                    </p:animClr>
+                                    <p:set>
+                                      <p:cBhvr>
+                                        <p:cTn id="84" dur="500" fill="hold"/>
+                                        <p:tgtEl>
+                                          <p:spTgt spid="57"/>
+                                        </p:tgtEl>
+                                        <p:attrNameLst>
+                                          <p:attrName>fill.type</p:attrName>
+                                        </p:attrNameLst>
+                                      </p:cBhvr>
+                                      <p:to>
+                                        <p:strVal val="solid"/>
+                                      </p:to>
+                                    </p:set>
+                                  </p:childTnLst>
+                                </p:cTn>
+                              </p:par>
+                            </p:childTnLst>
+                          </p:cTn>
+                        </p:par>
+                      </p:childTnLst>
+                    </p:cTn>
+                  </p:par>
+                </p:childTnLst>
+              </p:cTn>
+              <p:prevCondLst>
+                <p:cond evt="onPrev" delay="0">
+                  <p:tgtEl>
+                    <p:sldTgt/>
+                  </p:tgtEl>
+                </p:cond>
+              </p:prevCondLst>
+              <p:nextCondLst>
+                <p:cond evt="onNext" delay="0">
+                  <p:tgtEl>
+                    <p:sldTgt/>
+                  </p:tgtEl>
+                </p:cond>
+              </p:nextCondLst>
+            </p:seq>
+          </p:childTnLst>
+        </p:cTn>
+      </p:par>
+    </p:tnLst>
+    <p:bldLst>
+      <p:bldP spid="36" grpId="0" animBg="1"/>
+      <p:bldP spid="57" grpId="0" animBg="1"/>
+    </p:bldLst>
   </p:timing>
 </p:sld>
 </file>
@@ -21347,15 +26150,6 @@
 </file>
 
 <file path=customXml/item2.xml><?xml version="1.0" encoding="utf-8"?>
-<?mso-contentType ?>
-<FormTemplates xmlns="http://schemas.microsoft.com/sharepoint/v3/contenttype/forms">
-  <Display>DocumentLibraryForm</Display>
-  <Edit>DocumentLibraryForm</Edit>
-  <New>DocumentLibraryForm</New>
-</FormTemplates>
-</file>
-
-<file path=customXml/item3.xml><?xml version="1.0" encoding="utf-8"?>
 <ct:contentTypeSchema xmlns:ct="http://schemas.microsoft.com/office/2006/metadata/contentType" xmlns:ma="http://schemas.microsoft.com/office/2006/metadata/properties/metaAttributes" ct:_="" ma:_="" ma:contentTypeName="Document" ma:contentTypeID="0x010100AA3F7D94069FF64A86F7DFF56D60E3BE" ma:contentTypeVersion="6" ma:contentTypeDescription="Create a new document." ma:contentTypeScope="" ma:versionID="c32302c77d4085ecf495bdddb7f5e889">
   <xsd:schema xmlns:xsd="http://www.w3.org/2001/XMLSchema" xmlns:xs="http://www.w3.org/2001/XMLSchema" xmlns:p="http://schemas.microsoft.com/office/2006/metadata/properties" xmlns:ns2="a4f35948-e619-41b3-aa29-22878b09cfd2" xmlns:ns3="40262f94-9f35-4ac3-9a90-690165a166b7" targetNamespace="http://schemas.microsoft.com/office/2006/metadata/properties" ma:root="true" ma:fieldsID="4ab5ae46be95f9d0be6107e8200be7a2" ns2:_="" ns3:_="">
     <xsd:import namespace="a4f35948-e619-41b3-aa29-22878b09cfd2"/>
@@ -21536,6 +26330,15 @@
 </ct:contentTypeSchema>
 </file>
 
+<file path=customXml/item3.xml><?xml version="1.0" encoding="utf-8"?>
+<?mso-contentType ?>
+<FormTemplates xmlns="http://schemas.microsoft.com/sharepoint/v3/contenttype/forms">
+  <Display>DocumentLibraryForm</Display>
+  <Edit>DocumentLibraryForm</Edit>
+  <New>DocumentLibraryForm</New>
+</FormTemplates>
+</file>
+
 <file path=customXml/itemProps1.xml><?xml version="1.0" encoding="utf-8"?>
 <ds:datastoreItem xmlns:ds="http://schemas.openxmlformats.org/officeDocument/2006/customXml" ds:itemID="{1DA15C6C-6BB6-4DB6-B7D6-7F14EAB2CC5C}">
   <ds:schemaRefs>
@@ -21554,14 +26357,6 @@
 </file>
 
 <file path=customXml/itemProps2.xml><?xml version="1.0" encoding="utf-8"?>
-<ds:datastoreItem xmlns:ds="http://schemas.openxmlformats.org/officeDocument/2006/customXml" ds:itemID="{9EDF6667-B669-49A4-BBE6-2132BA71C0C7}">
-  <ds:schemaRefs>
-    <ds:schemaRef ds:uri="http://schemas.microsoft.com/sharepoint/v3/contenttype/forms"/>
-  </ds:schemaRefs>
-</ds:datastoreItem>
-</file>
-
-<file path=customXml/itemProps3.xml><?xml version="1.0" encoding="utf-8"?>
 <ds:datastoreItem xmlns:ds="http://schemas.openxmlformats.org/officeDocument/2006/customXml" ds:itemID="{4A369AEE-D726-45B1-ACA9-0D6048C368C2}">
   <ds:schemaRefs>
     <ds:schemaRef ds:uri="http://schemas.microsoft.com/office/2006/metadata/contentType"/>
@@ -21578,4 +26373,12 @@
     <ds:schemaRef ds:uri="http://schemas.microsoft.com/internal/obd"/>
   </ds:schemaRefs>
 </ds:datastoreItem>
+</file>
+
+<file path=customXml/itemProps3.xml><?xml version="1.0" encoding="utf-8"?>
+<ds:datastoreItem xmlns:ds="http://schemas.openxmlformats.org/officeDocument/2006/customXml" ds:itemID="{9EDF6667-B669-49A4-BBE6-2132BA71C0C7}">
+  <ds:schemaRefs>
+    <ds:schemaRef ds:uri="http://schemas.microsoft.com/sharepoint/v3/contenttype/forms"/>
+  </ds:schemaRefs>
+</ds:datastoreItem>
 </file>